--- a/doc/images/project-structure-target.pptx
+++ b/doc/images/project-structure-target.pptx
@@ -7,7 +7,7 @@
   <p:sldIdLst>
     <p:sldId id="256" r:id="rId2"/>
   </p:sldIdLst>
-  <p:sldSz cx="12801600" cy="9601200" type="A3"/>
+  <p:sldSz cx="12801600" cy="10801350"/>
   <p:notesSz cx="6858000" cy="9144000"/>
   <p:defaultTextStyle>
     <a:defPPr>
@@ -136,8 +136,8 @@
         </p:nvSpPr>
         <p:spPr>
           <a:xfrm>
-            <a:off x="960120" y="2982596"/>
-            <a:ext cx="10881360" cy="2058035"/>
+            <a:off x="960120" y="3355422"/>
+            <a:ext cx="10881360" cy="2315289"/>
           </a:xfrm>
         </p:spPr>
         <p:txBody>
@@ -164,8 +164,8 @@
         </p:nvSpPr>
         <p:spPr>
           <a:xfrm>
-            <a:off x="1920240" y="5440680"/>
-            <a:ext cx="8961120" cy="2453640"/>
+            <a:off x="1920240" y="6120765"/>
+            <a:ext cx="8961120" cy="2760345"/>
           </a:xfrm>
         </p:spPr>
         <p:txBody>
@@ -288,7 +288,8 @@
           <a:p>
             <a:fld id="{464958D0-047A-4B5C-B600-9D705598A485}" type="datetimeFigureOut">
               <a:rPr lang="en-US" smtClean="0"/>
-              <a:t>12/10/2023</a:t>
+              <a:pPr/>
+              <a:t>12/18/2023</a:t>
             </a:fld>
             <a:endParaRPr lang="en-US"/>
           </a:p>
@@ -330,6 +331,7 @@
           <a:p>
             <a:fld id="{8C2A2864-06FB-4F8A-BB0D-DBB9F86FB9AC}" type="slidenum">
               <a:rPr lang="en-US" smtClean="0"/>
+              <a:pPr/>
               <a:t>‹#›</a:t>
             </a:fld>
             <a:endParaRPr lang="en-US"/>
@@ -453,7 +455,8 @@
           <a:p>
             <a:fld id="{464958D0-047A-4B5C-B600-9D705598A485}" type="datetimeFigureOut">
               <a:rPr lang="en-US" smtClean="0"/>
-              <a:t>12/10/2023</a:t>
+              <a:pPr/>
+              <a:t>12/18/2023</a:t>
             </a:fld>
             <a:endParaRPr lang="en-US"/>
           </a:p>
@@ -495,6 +498,7 @@
           <a:p>
             <a:fld id="{8C2A2864-06FB-4F8A-BB0D-DBB9F86FB9AC}" type="slidenum">
               <a:rPr lang="en-US" smtClean="0"/>
+              <a:pPr/>
               <a:t>‹#›</a:t>
             </a:fld>
             <a:endParaRPr lang="en-US"/>
@@ -538,8 +542,8 @@
         </p:nvSpPr>
         <p:spPr>
           <a:xfrm>
-            <a:off x="9281160" y="384494"/>
-            <a:ext cx="2880360" cy="8192135"/>
+            <a:off x="9281160" y="432557"/>
+            <a:ext cx="2880360" cy="9216152"/>
           </a:xfrm>
         </p:spPr>
         <p:txBody>
@@ -566,8 +570,8 @@
         </p:nvSpPr>
         <p:spPr>
           <a:xfrm>
-            <a:off x="640080" y="384494"/>
-            <a:ext cx="8427720" cy="8192135"/>
+            <a:off x="640080" y="432557"/>
+            <a:ext cx="8427720" cy="9216152"/>
           </a:xfrm>
         </p:spPr>
         <p:txBody>
@@ -628,7 +632,8 @@
           <a:p>
             <a:fld id="{464958D0-047A-4B5C-B600-9D705598A485}" type="datetimeFigureOut">
               <a:rPr lang="en-US" smtClean="0"/>
-              <a:t>12/10/2023</a:t>
+              <a:pPr/>
+              <a:t>12/18/2023</a:t>
             </a:fld>
             <a:endParaRPr lang="en-US"/>
           </a:p>
@@ -670,6 +675,7 @@
           <a:p>
             <a:fld id="{8C2A2864-06FB-4F8A-BB0D-DBB9F86FB9AC}" type="slidenum">
               <a:rPr lang="en-US" smtClean="0"/>
+              <a:pPr/>
               <a:t>‹#›</a:t>
             </a:fld>
             <a:endParaRPr lang="en-US"/>
@@ -793,7 +799,8 @@
           <a:p>
             <a:fld id="{464958D0-047A-4B5C-B600-9D705598A485}" type="datetimeFigureOut">
               <a:rPr lang="en-US" smtClean="0"/>
-              <a:t>12/10/2023</a:t>
+              <a:pPr/>
+              <a:t>12/18/2023</a:t>
             </a:fld>
             <a:endParaRPr lang="en-US"/>
           </a:p>
@@ -835,6 +842,7 @@
           <a:p>
             <a:fld id="{8C2A2864-06FB-4F8A-BB0D-DBB9F86FB9AC}" type="slidenum">
               <a:rPr lang="en-US" smtClean="0"/>
+              <a:pPr/>
               <a:t>‹#›</a:t>
             </a:fld>
             <a:endParaRPr lang="en-US"/>
@@ -878,8 +886,8 @@
         </p:nvSpPr>
         <p:spPr>
           <a:xfrm>
-            <a:off x="1011238" y="6169661"/>
-            <a:ext cx="10881360" cy="1906905"/>
+            <a:off x="1011238" y="6940870"/>
+            <a:ext cx="10881360" cy="2145268"/>
           </a:xfrm>
         </p:spPr>
         <p:txBody>
@@ -910,8 +918,8 @@
         </p:nvSpPr>
         <p:spPr>
           <a:xfrm>
-            <a:off x="1011238" y="4069399"/>
-            <a:ext cx="10881360" cy="2100262"/>
+            <a:off x="1011238" y="4578074"/>
+            <a:ext cx="10881360" cy="2362795"/>
           </a:xfrm>
         </p:spPr>
         <p:txBody>
@@ -1034,7 +1042,8 @@
           <a:p>
             <a:fld id="{464958D0-047A-4B5C-B600-9D705598A485}" type="datetimeFigureOut">
               <a:rPr lang="en-US" smtClean="0"/>
-              <a:t>12/10/2023</a:t>
+              <a:pPr/>
+              <a:t>12/18/2023</a:t>
             </a:fld>
             <a:endParaRPr lang="en-US"/>
           </a:p>
@@ -1076,6 +1085,7 @@
           <a:p>
             <a:fld id="{8C2A2864-06FB-4F8A-BB0D-DBB9F86FB9AC}" type="slidenum">
               <a:rPr lang="en-US" smtClean="0"/>
+              <a:pPr/>
               <a:t>‹#›</a:t>
             </a:fld>
             <a:endParaRPr lang="en-US"/>
@@ -1142,8 +1152,8 @@
         </p:nvSpPr>
         <p:spPr>
           <a:xfrm>
-            <a:off x="640080" y="2240281"/>
-            <a:ext cx="5654040" cy="6336348"/>
+            <a:off x="640080" y="2520316"/>
+            <a:ext cx="5654040" cy="7128392"/>
           </a:xfrm>
         </p:spPr>
         <p:txBody>
@@ -1227,8 +1237,8 @@
         </p:nvSpPr>
         <p:spPr>
           <a:xfrm>
-            <a:off x="6507480" y="2240281"/>
-            <a:ext cx="5654040" cy="6336348"/>
+            <a:off x="6507480" y="2520316"/>
+            <a:ext cx="5654040" cy="7128392"/>
           </a:xfrm>
         </p:spPr>
         <p:txBody>
@@ -1317,7 +1327,8 @@
           <a:p>
             <a:fld id="{464958D0-047A-4B5C-B600-9D705598A485}" type="datetimeFigureOut">
               <a:rPr lang="en-US" smtClean="0"/>
-              <a:t>12/10/2023</a:t>
+              <a:pPr/>
+              <a:t>12/18/2023</a:t>
             </a:fld>
             <a:endParaRPr lang="en-US"/>
           </a:p>
@@ -1359,6 +1370,7 @@
           <a:p>
             <a:fld id="{8C2A2864-06FB-4F8A-BB0D-DBB9F86FB9AC}" type="slidenum">
               <a:rPr lang="en-US" smtClean="0"/>
+              <a:pPr/>
               <a:t>‹#›</a:t>
             </a:fld>
             <a:endParaRPr lang="en-US"/>
@@ -1429,8 +1441,8 @@
         </p:nvSpPr>
         <p:spPr>
           <a:xfrm>
-            <a:off x="640080" y="2149158"/>
-            <a:ext cx="5656263" cy="895667"/>
+            <a:off x="640083" y="2417805"/>
+            <a:ext cx="5656263" cy="1007625"/>
           </a:xfrm>
         </p:spPr>
         <p:txBody>
@@ -1494,8 +1506,8 @@
         </p:nvSpPr>
         <p:spPr>
           <a:xfrm>
-            <a:off x="640080" y="3044825"/>
-            <a:ext cx="5656263" cy="5531803"/>
+            <a:off x="640083" y="3425430"/>
+            <a:ext cx="5656263" cy="6223278"/>
           </a:xfrm>
         </p:spPr>
         <p:txBody>
@@ -1579,8 +1591,8 @@
         </p:nvSpPr>
         <p:spPr>
           <a:xfrm>
-            <a:off x="6503036" y="2149158"/>
-            <a:ext cx="5658485" cy="895667"/>
+            <a:off x="6503039" y="2417805"/>
+            <a:ext cx="5658485" cy="1007625"/>
           </a:xfrm>
         </p:spPr>
         <p:txBody>
@@ -1644,8 +1656,8 @@
         </p:nvSpPr>
         <p:spPr>
           <a:xfrm>
-            <a:off x="6503036" y="3044825"/>
-            <a:ext cx="5658485" cy="5531803"/>
+            <a:off x="6503039" y="3425430"/>
+            <a:ext cx="5658485" cy="6223278"/>
           </a:xfrm>
         </p:spPr>
         <p:txBody>
@@ -1734,7 +1746,8 @@
           <a:p>
             <a:fld id="{464958D0-047A-4B5C-B600-9D705598A485}" type="datetimeFigureOut">
               <a:rPr lang="en-US" smtClean="0"/>
-              <a:t>12/10/2023</a:t>
+              <a:pPr/>
+              <a:t>12/18/2023</a:t>
             </a:fld>
             <a:endParaRPr lang="en-US"/>
           </a:p>
@@ -1776,6 +1789,7 @@
           <a:p>
             <a:fld id="{8C2A2864-06FB-4F8A-BB0D-DBB9F86FB9AC}" type="slidenum">
               <a:rPr lang="en-US" smtClean="0"/>
+              <a:pPr/>
               <a:t>‹#›</a:t>
             </a:fld>
             <a:endParaRPr lang="en-US"/>
@@ -1847,7 +1861,8 @@
           <a:p>
             <a:fld id="{464958D0-047A-4B5C-B600-9D705598A485}" type="datetimeFigureOut">
               <a:rPr lang="en-US" smtClean="0"/>
-              <a:t>12/10/2023</a:t>
+              <a:pPr/>
+              <a:t>12/18/2023</a:t>
             </a:fld>
             <a:endParaRPr lang="en-US"/>
           </a:p>
@@ -1889,6 +1904,7 @@
           <a:p>
             <a:fld id="{8C2A2864-06FB-4F8A-BB0D-DBB9F86FB9AC}" type="slidenum">
               <a:rPr lang="en-US" smtClean="0"/>
+              <a:pPr/>
               <a:t>‹#›</a:t>
             </a:fld>
             <a:endParaRPr lang="en-US"/>
@@ -1937,7 +1953,8 @@
           <a:p>
             <a:fld id="{464958D0-047A-4B5C-B600-9D705598A485}" type="datetimeFigureOut">
               <a:rPr lang="en-US" smtClean="0"/>
-              <a:t>12/10/2023</a:t>
+              <a:pPr/>
+              <a:t>12/18/2023</a:t>
             </a:fld>
             <a:endParaRPr lang="en-US"/>
           </a:p>
@@ -1979,6 +1996,7 @@
           <a:p>
             <a:fld id="{8C2A2864-06FB-4F8A-BB0D-DBB9F86FB9AC}" type="slidenum">
               <a:rPr lang="en-US" smtClean="0"/>
+              <a:pPr/>
               <a:t>‹#›</a:t>
             </a:fld>
             <a:endParaRPr lang="en-US"/>
@@ -2022,8 +2040,8 @@
         </p:nvSpPr>
         <p:spPr>
           <a:xfrm>
-            <a:off x="640081" y="382270"/>
-            <a:ext cx="4211638" cy="1626870"/>
+            <a:off x="640081" y="430054"/>
+            <a:ext cx="4211638" cy="1830229"/>
           </a:xfrm>
         </p:spPr>
         <p:txBody>
@@ -2054,8 +2072,8 @@
         </p:nvSpPr>
         <p:spPr>
           <a:xfrm>
-            <a:off x="5005070" y="382271"/>
-            <a:ext cx="7156450" cy="8194358"/>
+            <a:off x="5005070" y="430055"/>
+            <a:ext cx="7156450" cy="9218653"/>
           </a:xfrm>
         </p:spPr>
         <p:txBody>
@@ -2139,8 +2157,8 @@
         </p:nvSpPr>
         <p:spPr>
           <a:xfrm>
-            <a:off x="640081" y="2009141"/>
-            <a:ext cx="4211638" cy="6567488"/>
+            <a:off x="640081" y="2260284"/>
+            <a:ext cx="4211638" cy="7388424"/>
           </a:xfrm>
         </p:spPr>
         <p:txBody>
@@ -2209,7 +2227,8 @@
           <a:p>
             <a:fld id="{464958D0-047A-4B5C-B600-9D705598A485}" type="datetimeFigureOut">
               <a:rPr lang="en-US" smtClean="0"/>
-              <a:t>12/10/2023</a:t>
+              <a:pPr/>
+              <a:t>12/18/2023</a:t>
             </a:fld>
             <a:endParaRPr lang="en-US"/>
           </a:p>
@@ -2251,6 +2270,7 @@
           <a:p>
             <a:fld id="{8C2A2864-06FB-4F8A-BB0D-DBB9F86FB9AC}" type="slidenum">
               <a:rPr lang="en-US" smtClean="0"/>
+              <a:pPr/>
               <a:t>‹#›</a:t>
             </a:fld>
             <a:endParaRPr lang="en-US"/>
@@ -2294,8 +2314,8 @@
         </p:nvSpPr>
         <p:spPr>
           <a:xfrm>
-            <a:off x="2509203" y="6720840"/>
-            <a:ext cx="7680960" cy="793433"/>
+            <a:off x="2509203" y="7560946"/>
+            <a:ext cx="7680960" cy="892612"/>
           </a:xfrm>
         </p:spPr>
         <p:txBody>
@@ -2326,8 +2346,8 @@
         </p:nvSpPr>
         <p:spPr>
           <a:xfrm>
-            <a:off x="2509203" y="857885"/>
-            <a:ext cx="7680960" cy="5760720"/>
+            <a:off x="2509203" y="965122"/>
+            <a:ext cx="7680960" cy="6480810"/>
           </a:xfrm>
         </p:spPr>
         <p:txBody>
@@ -2387,8 +2407,8 @@
         </p:nvSpPr>
         <p:spPr>
           <a:xfrm>
-            <a:off x="2509203" y="7514273"/>
-            <a:ext cx="7680960" cy="1126807"/>
+            <a:off x="2509203" y="8453559"/>
+            <a:ext cx="7680960" cy="1267658"/>
           </a:xfrm>
         </p:spPr>
         <p:txBody>
@@ -2457,7 +2477,8 @@
           <a:p>
             <a:fld id="{464958D0-047A-4B5C-B600-9D705598A485}" type="datetimeFigureOut">
               <a:rPr lang="en-US" smtClean="0"/>
-              <a:t>12/10/2023</a:t>
+              <a:pPr/>
+              <a:t>12/18/2023</a:t>
             </a:fld>
             <a:endParaRPr lang="en-US"/>
           </a:p>
@@ -2499,6 +2520,7 @@
           <a:p>
             <a:fld id="{8C2A2864-06FB-4F8A-BB0D-DBB9F86FB9AC}" type="slidenum">
               <a:rPr lang="en-US" smtClean="0"/>
+              <a:pPr/>
               <a:t>‹#›</a:t>
             </a:fld>
             <a:endParaRPr lang="en-US"/>
@@ -2547,8 +2569,8 @@
         </p:nvSpPr>
         <p:spPr>
           <a:xfrm>
-            <a:off x="640080" y="384493"/>
-            <a:ext cx="11521440" cy="1600200"/>
+            <a:off x="640080" y="432555"/>
+            <a:ext cx="11521440" cy="1800225"/>
           </a:xfrm>
           <a:prstGeom prst="rect">
             <a:avLst/>
@@ -2580,8 +2602,8 @@
         </p:nvSpPr>
         <p:spPr>
           <a:xfrm>
-            <a:off x="640080" y="2240281"/>
-            <a:ext cx="11521440" cy="6336348"/>
+            <a:off x="640080" y="2520316"/>
+            <a:ext cx="11521440" cy="7128392"/>
           </a:xfrm>
           <a:prstGeom prst="rect">
             <a:avLst/>
@@ -2642,8 +2664,8 @@
         </p:nvSpPr>
         <p:spPr>
           <a:xfrm>
-            <a:off x="640080" y="8898891"/>
-            <a:ext cx="2987040" cy="511175"/>
+            <a:off x="640080" y="10011253"/>
+            <a:ext cx="2987040" cy="575072"/>
           </a:xfrm>
           <a:prstGeom prst="rect">
             <a:avLst/>
@@ -2665,7 +2687,8 @@
           <a:p>
             <a:fld id="{464958D0-047A-4B5C-B600-9D705598A485}" type="datetimeFigureOut">
               <a:rPr lang="en-US" smtClean="0"/>
-              <a:t>12/10/2023</a:t>
+              <a:pPr/>
+              <a:t>12/18/2023</a:t>
             </a:fld>
             <a:endParaRPr lang="en-US"/>
           </a:p>
@@ -2683,8 +2706,8 @@
         </p:nvSpPr>
         <p:spPr>
           <a:xfrm>
-            <a:off x="4373880" y="8898891"/>
-            <a:ext cx="4053840" cy="511175"/>
+            <a:off x="4373880" y="10011253"/>
+            <a:ext cx="4053840" cy="575072"/>
           </a:xfrm>
           <a:prstGeom prst="rect">
             <a:avLst/>
@@ -2720,8 +2743,8 @@
         </p:nvSpPr>
         <p:spPr>
           <a:xfrm>
-            <a:off x="9174480" y="8898891"/>
-            <a:ext cx="2987040" cy="511175"/>
+            <a:off x="9174480" y="10011253"/>
+            <a:ext cx="2987040" cy="575072"/>
           </a:xfrm>
           <a:prstGeom prst="rect">
             <a:avLst/>
@@ -2743,6 +2766,7 @@
           <a:p>
             <a:fld id="{8C2A2864-06FB-4F8A-BB0D-DBB9F86FB9AC}" type="slidenum">
               <a:rPr lang="en-US" smtClean="0"/>
+              <a:pPr/>
               <a:t>‹#›</a:t>
             </a:fld>
             <a:endParaRPr lang="en-US"/>
@@ -3037,13 +3061,13 @@
       </p:grpSpPr>
       <p:sp>
         <p:nvSpPr>
-          <p:cNvPr id="4" name="Rectangle 3"/>
+          <p:cNvPr id="123" name="Rectangle 122"/>
           <p:cNvSpPr/>
           <p:nvPr/>
         </p:nvSpPr>
         <p:spPr>
           <a:xfrm>
-            <a:off x="426720" y="426720"/>
+            <a:off x="426720" y="426721"/>
             <a:ext cx="1066800" cy="381000"/>
           </a:xfrm>
           <a:prstGeom prst="rect">
@@ -3080,14 +3104,14 @@
       </p:sp>
       <p:sp>
         <p:nvSpPr>
-          <p:cNvPr id="8" name="Rectangle 7"/>
+          <p:cNvPr id="124" name="Rectangle 123"/>
           <p:cNvSpPr/>
           <p:nvPr/>
         </p:nvSpPr>
         <p:spPr>
           <a:xfrm>
-            <a:off x="2133600" y="609600"/>
-            <a:ext cx="1066800" cy="394138"/>
+            <a:off x="2133600" y="609601"/>
+            <a:ext cx="2286000" cy="394138"/>
           </a:xfrm>
           <a:prstGeom prst="rect">
             <a:avLst/>
@@ -3120,7 +3144,15 @@
             </a:r>
             <a:r>
               <a:rPr lang="en-US" sz="1500" dirty="0" smtClean="0"/>
-              <a:t>-debug</a:t>
+              <a:t>-</a:t>
+            </a:r>
+            <a:r>
+              <a:rPr lang="en-US" sz="1500" dirty="0" err="1" smtClean="0"/>
+              <a:t>BareMetal</a:t>
+            </a:r>
+            <a:r>
+              <a:rPr lang="en-US" sz="1500" dirty="0" smtClean="0"/>
+              <a:t>-Debug</a:t>
             </a:r>
             <a:endParaRPr lang="en-US" sz="1500" dirty="0"/>
           </a:p>
@@ -3128,13 +3160,13 @@
       </p:sp>
       <p:sp>
         <p:nvSpPr>
-          <p:cNvPr id="9" name="Rectangle 8"/>
+          <p:cNvPr id="125" name="Rectangle 124"/>
           <p:cNvSpPr/>
           <p:nvPr/>
         </p:nvSpPr>
         <p:spPr>
           <a:xfrm>
-            <a:off x="2133600" y="6477000"/>
+            <a:off x="2133600" y="6848476"/>
             <a:ext cx="1066800" cy="381000"/>
           </a:xfrm>
           <a:prstGeom prst="rect">
@@ -3171,13 +3203,13 @@
       </p:sp>
       <p:sp>
         <p:nvSpPr>
-          <p:cNvPr id="10" name="Rectangle 9"/>
+          <p:cNvPr id="126" name="Rectangle 125"/>
           <p:cNvSpPr/>
           <p:nvPr/>
         </p:nvSpPr>
         <p:spPr>
           <a:xfrm>
-            <a:off x="2133600" y="2514600"/>
+            <a:off x="2133600" y="2514601"/>
             <a:ext cx="1066800" cy="394138"/>
           </a:xfrm>
           <a:prstGeom prst="rect">
@@ -3214,7 +3246,7 @@
       </p:sp>
       <p:sp>
         <p:nvSpPr>
-          <p:cNvPr id="11" name="Rectangle 10"/>
+          <p:cNvPr id="127" name="Rectangle 126"/>
           <p:cNvSpPr/>
           <p:nvPr/>
         </p:nvSpPr>
@@ -3257,13 +3289,13 @@
       </p:sp>
       <p:sp>
         <p:nvSpPr>
-          <p:cNvPr id="12" name="Rectangle 11"/>
+          <p:cNvPr id="128" name="Rectangle 127"/>
           <p:cNvSpPr/>
           <p:nvPr/>
         </p:nvSpPr>
         <p:spPr>
           <a:xfrm>
-            <a:off x="3733800" y="2514600"/>
+            <a:off x="3733800" y="2514601"/>
             <a:ext cx="1066800" cy="394138"/>
           </a:xfrm>
           <a:prstGeom prst="rect">
@@ -3300,13 +3332,13 @@
       </p:sp>
       <p:sp>
         <p:nvSpPr>
-          <p:cNvPr id="13" name="Rectangle 12"/>
+          <p:cNvPr id="129" name="Rectangle 128"/>
           <p:cNvSpPr/>
           <p:nvPr/>
         </p:nvSpPr>
         <p:spPr>
           <a:xfrm>
-            <a:off x="5334000" y="2514600"/>
+            <a:off x="5334000" y="2514601"/>
             <a:ext cx="1493520" cy="394138"/>
           </a:xfrm>
           <a:prstGeom prst="rect">
@@ -3343,7 +3375,7 @@
       </p:sp>
       <p:sp>
         <p:nvSpPr>
-          <p:cNvPr id="14" name="Rectangle 13"/>
+          <p:cNvPr id="130" name="Rectangle 129"/>
           <p:cNvSpPr/>
           <p:nvPr/>
         </p:nvSpPr>
@@ -3386,7 +3418,7 @@
       </p:sp>
       <p:sp>
         <p:nvSpPr>
-          <p:cNvPr id="15" name="Rectangle 14"/>
+          <p:cNvPr id="131" name="Rectangle 130"/>
           <p:cNvSpPr/>
           <p:nvPr/>
         </p:nvSpPr>
@@ -3429,7 +3461,7 @@
       </p:sp>
       <p:sp>
         <p:nvSpPr>
-          <p:cNvPr id="16" name="Rectangle 15"/>
+          <p:cNvPr id="132" name="Rectangle 131"/>
           <p:cNvSpPr/>
           <p:nvPr/>
         </p:nvSpPr>
@@ -3472,13 +3504,13 @@
       </p:sp>
       <p:sp>
         <p:nvSpPr>
-          <p:cNvPr id="17" name="Snip Single Corner Rectangle 16"/>
+          <p:cNvPr id="133" name="Snip Single Corner Rectangle 132"/>
           <p:cNvSpPr/>
           <p:nvPr/>
         </p:nvSpPr>
         <p:spPr>
           <a:xfrm>
-            <a:off x="7254240" y="609600"/>
+            <a:off x="7254240" y="609601"/>
             <a:ext cx="1706880" cy="394138"/>
           </a:xfrm>
           <a:prstGeom prst="snip1Rect">
@@ -3533,7 +3565,7 @@
       </p:sp>
       <p:sp>
         <p:nvSpPr>
-          <p:cNvPr id="18" name="Snip Single Corner Rectangle 17"/>
+          <p:cNvPr id="134" name="Snip Single Corner Rectangle 133"/>
           <p:cNvSpPr/>
           <p:nvPr/>
         </p:nvSpPr>
@@ -3594,13 +3626,13 @@
       </p:sp>
       <p:sp>
         <p:nvSpPr>
-          <p:cNvPr id="19" name="Snip Single Corner Rectangle 18"/>
+          <p:cNvPr id="135" name="Snip Single Corner Rectangle 134"/>
           <p:cNvSpPr/>
           <p:nvPr/>
         </p:nvSpPr>
         <p:spPr>
           <a:xfrm>
-            <a:off x="7254240" y="2514600"/>
+            <a:off x="7254240" y="2514601"/>
             <a:ext cx="1706880" cy="394138"/>
           </a:xfrm>
           <a:prstGeom prst="snip1Rect">
@@ -3655,7 +3687,7 @@
       </p:sp>
       <p:sp>
         <p:nvSpPr>
-          <p:cNvPr id="20" name="Snip Single Corner Rectangle 19"/>
+          <p:cNvPr id="136" name="Snip Single Corner Rectangle 135"/>
           <p:cNvSpPr/>
           <p:nvPr/>
         </p:nvSpPr>
@@ -3716,14 +3748,14 @@
       </p:sp>
       <p:sp>
         <p:nvSpPr>
-          <p:cNvPr id="22" name="Rectangle 21"/>
+          <p:cNvPr id="137" name="Rectangle 136"/>
           <p:cNvSpPr/>
           <p:nvPr/>
         </p:nvSpPr>
         <p:spPr>
           <a:xfrm>
-            <a:off x="2133600" y="152400"/>
-            <a:ext cx="1066800" cy="394138"/>
+            <a:off x="2133600" y="152401"/>
+            <a:ext cx="2286000" cy="394138"/>
           </a:xfrm>
           <a:prstGeom prst="rect">
             <a:avLst/>
@@ -3760,13 +3792,13 @@
       </p:sp>
       <p:sp>
         <p:nvSpPr>
-          <p:cNvPr id="23" name="Snip Single Corner Rectangle 22"/>
+          <p:cNvPr id="138" name="Snip Single Corner Rectangle 137"/>
           <p:cNvSpPr/>
           <p:nvPr/>
         </p:nvSpPr>
         <p:spPr>
           <a:xfrm>
-            <a:off x="7239000" y="152400"/>
+            <a:off x="7239000" y="152401"/>
             <a:ext cx="1706880" cy="394138"/>
           </a:xfrm>
           <a:prstGeom prst="snip1Rect">
@@ -3826,13 +3858,13 @@
       </p:sp>
       <p:sp>
         <p:nvSpPr>
-          <p:cNvPr id="29" name="Snip Single Corner Rectangle 28"/>
+          <p:cNvPr id="139" name="Snip Single Corner Rectangle 138"/>
           <p:cNvSpPr/>
           <p:nvPr/>
         </p:nvSpPr>
         <p:spPr>
           <a:xfrm>
-            <a:off x="2133600" y="4038600"/>
+            <a:off x="2133600" y="4029075"/>
             <a:ext cx="1920240" cy="394138"/>
           </a:xfrm>
           <a:prstGeom prst="snip1Rect">
@@ -3892,16 +3924,16 @@
       </p:sp>
       <p:cxnSp>
         <p:nvCxnSpPr>
-          <p:cNvPr id="33" name="Elbow Connector 32"/>
+          <p:cNvPr id="140" name="Elbow Connector 139"/>
           <p:cNvCxnSpPr>
-            <a:stCxn id="4" idx="3"/>
-            <a:endCxn id="8" idx="1"/>
+            <a:stCxn id="123" idx="3"/>
+            <a:endCxn id="124" idx="1"/>
           </p:cNvCxnSpPr>
           <p:nvPr/>
         </p:nvCxnSpPr>
         <p:spPr>
           <a:xfrm>
-            <a:off x="1493520" y="617220"/>
+            <a:off x="1493520" y="617221"/>
             <a:ext cx="640080" cy="189449"/>
           </a:xfrm>
           <a:prstGeom prst="bentConnector3">
@@ -3927,16 +3959,16 @@
       </p:cxnSp>
       <p:cxnSp>
         <p:nvCxnSpPr>
-          <p:cNvPr id="35" name="Elbow Connector 34"/>
+          <p:cNvPr id="141" name="Elbow Connector 140"/>
           <p:cNvCxnSpPr>
-            <a:stCxn id="4" idx="3"/>
-            <a:endCxn id="10" idx="1"/>
+            <a:stCxn id="123" idx="3"/>
+            <a:endCxn id="126" idx="1"/>
           </p:cNvCxnSpPr>
           <p:nvPr/>
         </p:nvCxnSpPr>
         <p:spPr>
           <a:xfrm>
-            <a:off x="1493520" y="617220"/>
+            <a:off x="1493520" y="617221"/>
             <a:ext cx="640080" cy="2094449"/>
           </a:xfrm>
           <a:prstGeom prst="bentConnector3">
@@ -3962,10 +3994,10 @@
       </p:cxnSp>
       <p:cxnSp>
         <p:nvCxnSpPr>
-          <p:cNvPr id="37" name="Elbow Connector 36"/>
+          <p:cNvPr id="142" name="Elbow Connector 141"/>
           <p:cNvCxnSpPr>
-            <a:stCxn id="4" idx="3"/>
-            <a:endCxn id="11" idx="1"/>
+            <a:stCxn id="123" idx="3"/>
+            <a:endCxn id="127" idx="1"/>
           </p:cNvCxnSpPr>
           <p:nvPr/>
         </p:nvCxnSpPr>
@@ -3997,17 +4029,17 @@
       </p:cxnSp>
       <p:cxnSp>
         <p:nvCxnSpPr>
-          <p:cNvPr id="39" name="Elbow Connector 38"/>
+          <p:cNvPr id="143" name="Elbow Connector 142"/>
           <p:cNvCxnSpPr>
-            <a:stCxn id="4" idx="3"/>
-            <a:endCxn id="9" idx="1"/>
+            <a:stCxn id="123" idx="3"/>
+            <a:endCxn id="125" idx="1"/>
           </p:cNvCxnSpPr>
           <p:nvPr/>
         </p:nvCxnSpPr>
         <p:spPr>
           <a:xfrm>
-            <a:off x="1493520" y="617220"/>
-            <a:ext cx="640080" cy="6050280"/>
+            <a:off x="1493520" y="617221"/>
+            <a:ext cx="640080" cy="6421755"/>
           </a:xfrm>
           <a:prstGeom prst="bentConnector3">
             <a:avLst>
@@ -4032,17 +4064,17 @@
       </p:cxnSp>
       <p:cxnSp>
         <p:nvCxnSpPr>
-          <p:cNvPr id="41" name="Elbow Connector 40"/>
+          <p:cNvPr id="144" name="Elbow Connector 143"/>
           <p:cNvCxnSpPr>
-            <a:stCxn id="8" idx="3"/>
-            <a:endCxn id="17" idx="2"/>
+            <a:stCxn id="124" idx="3"/>
+            <a:endCxn id="133" idx="2"/>
           </p:cNvCxnSpPr>
           <p:nvPr/>
         </p:nvCxnSpPr>
         <p:spPr>
           <a:xfrm>
-            <a:off x="3200400" y="806669"/>
-            <a:ext cx="4053840" cy="1588"/>
+            <a:off x="4419600" y="806669"/>
+            <a:ext cx="2834640" cy="1588"/>
           </a:xfrm>
           <a:prstGeom prst="bentConnector3">
             <a:avLst>
@@ -4067,17 +4099,17 @@
       </p:cxnSp>
       <p:cxnSp>
         <p:nvCxnSpPr>
-          <p:cNvPr id="43" name="Elbow Connector 42"/>
+          <p:cNvPr id="145" name="Elbow Connector 144"/>
           <p:cNvCxnSpPr>
-            <a:stCxn id="8" idx="3"/>
-            <a:endCxn id="18" idx="2"/>
+            <a:stCxn id="124" idx="3"/>
+            <a:endCxn id="134" idx="2"/>
           </p:cNvCxnSpPr>
           <p:nvPr/>
         </p:nvCxnSpPr>
         <p:spPr>
           <a:xfrm>
-            <a:off x="3200400" y="806669"/>
-            <a:ext cx="4053840" cy="457200"/>
+            <a:off x="4419600" y="806669"/>
+            <a:ext cx="2834640" cy="457200"/>
           </a:xfrm>
           <a:prstGeom prst="bentConnector3">
             <a:avLst>
@@ -4102,10 +4134,10 @@
       </p:cxnSp>
       <p:cxnSp>
         <p:nvCxnSpPr>
-          <p:cNvPr id="45" name="Elbow Connector 44"/>
+          <p:cNvPr id="146" name="Elbow Connector 145"/>
           <p:cNvCxnSpPr>
-            <a:stCxn id="10" idx="3"/>
-            <a:endCxn id="12" idx="1"/>
+            <a:stCxn id="126" idx="3"/>
+            <a:endCxn id="128" idx="1"/>
           </p:cNvCxnSpPr>
           <p:nvPr/>
         </p:nvCxnSpPr>
@@ -4137,10 +4169,10 @@
       </p:cxnSp>
       <p:cxnSp>
         <p:nvCxnSpPr>
-          <p:cNvPr id="47" name="Elbow Connector 46"/>
+          <p:cNvPr id="147" name="Elbow Connector 146"/>
           <p:cNvCxnSpPr>
-            <a:stCxn id="12" idx="3"/>
-            <a:endCxn id="13" idx="1"/>
+            <a:stCxn id="128" idx="3"/>
+            <a:endCxn id="129" idx="1"/>
           </p:cNvCxnSpPr>
           <p:nvPr/>
         </p:nvCxnSpPr>
@@ -4172,16 +4204,16 @@
       </p:cxnSp>
       <p:cxnSp>
         <p:nvCxnSpPr>
-          <p:cNvPr id="49" name="Elbow Connector 48"/>
+          <p:cNvPr id="148" name="Elbow Connector 147"/>
           <p:cNvCxnSpPr>
-            <a:stCxn id="12" idx="3"/>
-            <a:endCxn id="14" idx="1"/>
+            <a:stCxn id="128" idx="3"/>
+            <a:endCxn id="130" idx="1"/>
           </p:cNvCxnSpPr>
           <p:nvPr/>
         </p:nvCxnSpPr>
         <p:spPr>
           <a:xfrm>
-            <a:off x="4800600" y="2711669"/>
+            <a:off x="4800600" y="2711670"/>
             <a:ext cx="533400" cy="450631"/>
           </a:xfrm>
           <a:prstGeom prst="bentConnector3">
@@ -4207,16 +4239,16 @@
       </p:cxnSp>
       <p:cxnSp>
         <p:nvCxnSpPr>
-          <p:cNvPr id="52" name="Elbow Connector 51"/>
+          <p:cNvPr id="149" name="Elbow Connector 148"/>
           <p:cNvCxnSpPr>
-            <a:stCxn id="11" idx="3"/>
-            <a:endCxn id="15" idx="1"/>
+            <a:stCxn id="127" idx="3"/>
+            <a:endCxn id="131" idx="1"/>
           </p:cNvCxnSpPr>
           <p:nvPr/>
         </p:nvCxnSpPr>
         <p:spPr>
           <a:xfrm>
-            <a:off x="3200400" y="3695700"/>
+            <a:off x="3200400" y="3695701"/>
             <a:ext cx="533400" cy="1588"/>
           </a:xfrm>
           <a:prstGeom prst="bentConnector3">
@@ -4242,16 +4274,16 @@
       </p:cxnSp>
       <p:cxnSp>
         <p:nvCxnSpPr>
-          <p:cNvPr id="54" name="Elbow Connector 53"/>
+          <p:cNvPr id="150" name="Elbow Connector 149"/>
           <p:cNvCxnSpPr>
-            <a:stCxn id="15" idx="3"/>
-            <a:endCxn id="16" idx="1"/>
+            <a:stCxn id="131" idx="3"/>
+            <a:endCxn id="132" idx="1"/>
           </p:cNvCxnSpPr>
           <p:nvPr/>
         </p:nvCxnSpPr>
         <p:spPr>
           <a:xfrm>
-            <a:off x="4800600" y="3695700"/>
+            <a:off x="4800600" y="3695701"/>
             <a:ext cx="533400" cy="1588"/>
           </a:xfrm>
           <a:prstGeom prst="bentConnector3">
@@ -4277,16 +4309,16 @@
       </p:cxnSp>
       <p:cxnSp>
         <p:nvCxnSpPr>
-          <p:cNvPr id="56" name="Elbow Connector 55"/>
+          <p:cNvPr id="151" name="Elbow Connector 150"/>
           <p:cNvCxnSpPr>
-            <a:stCxn id="16" idx="3"/>
-            <a:endCxn id="20" idx="2"/>
+            <a:stCxn id="132" idx="3"/>
+            <a:endCxn id="136" idx="2"/>
           </p:cNvCxnSpPr>
           <p:nvPr/>
         </p:nvCxnSpPr>
         <p:spPr>
           <a:xfrm>
-            <a:off x="6827520" y="3695700"/>
+            <a:off x="6827520" y="3695701"/>
             <a:ext cx="426720" cy="1588"/>
           </a:xfrm>
           <a:prstGeom prst="bentConnector3">
@@ -4312,10 +4344,10 @@
       </p:cxnSp>
       <p:cxnSp>
         <p:nvCxnSpPr>
-          <p:cNvPr id="58" name="Elbow Connector 57"/>
+          <p:cNvPr id="152" name="Elbow Connector 151"/>
           <p:cNvCxnSpPr>
-            <a:stCxn id="13" idx="3"/>
-            <a:endCxn id="19" idx="2"/>
+            <a:stCxn id="129" idx="3"/>
+            <a:endCxn id="135" idx="2"/>
           </p:cNvCxnSpPr>
           <p:nvPr/>
         </p:nvCxnSpPr>
@@ -4347,16 +4379,16 @@
       </p:cxnSp>
       <p:cxnSp>
         <p:nvCxnSpPr>
-          <p:cNvPr id="60" name="Elbow Connector 59"/>
+          <p:cNvPr id="153" name="Elbow Connector 152"/>
           <p:cNvCxnSpPr>
-            <a:stCxn id="9" idx="3"/>
-            <a:endCxn id="232" idx="1"/>
+            <a:stCxn id="125" idx="3"/>
+            <a:endCxn id="185" idx="1"/>
           </p:cNvCxnSpPr>
           <p:nvPr/>
         </p:nvCxnSpPr>
         <p:spPr>
           <a:xfrm>
-            <a:off x="3200400" y="6667500"/>
+            <a:off x="3200400" y="7038975"/>
             <a:ext cx="533400" cy="457200"/>
           </a:xfrm>
           <a:prstGeom prst="bentConnector3">
@@ -4382,16 +4414,16 @@
       </p:cxnSp>
       <p:cxnSp>
         <p:nvCxnSpPr>
-          <p:cNvPr id="62" name="Elbow Connector 61"/>
+          <p:cNvPr id="154" name="Elbow Connector 153"/>
           <p:cNvCxnSpPr>
-            <a:stCxn id="4" idx="3"/>
-            <a:endCxn id="22" idx="1"/>
+            <a:stCxn id="123" idx="3"/>
+            <a:endCxn id="137" idx="1"/>
           </p:cNvCxnSpPr>
           <p:nvPr/>
         </p:nvCxnSpPr>
         <p:spPr>
           <a:xfrm flipV="1">
-            <a:off x="1493520" y="349469"/>
+            <a:off x="1493520" y="349470"/>
             <a:ext cx="640080" cy="267751"/>
           </a:xfrm>
           <a:prstGeom prst="bentConnector3">
@@ -4417,17 +4449,17 @@
       </p:cxnSp>
       <p:cxnSp>
         <p:nvCxnSpPr>
-          <p:cNvPr id="64" name="Elbow Connector 63"/>
+          <p:cNvPr id="155" name="Elbow Connector 154"/>
           <p:cNvCxnSpPr>
-            <a:stCxn id="22" idx="3"/>
-            <a:endCxn id="23" idx="2"/>
+            <a:stCxn id="137" idx="3"/>
+            <a:endCxn id="138" idx="2"/>
           </p:cNvCxnSpPr>
           <p:nvPr/>
         </p:nvCxnSpPr>
         <p:spPr>
           <a:xfrm>
-            <a:off x="3200400" y="349469"/>
-            <a:ext cx="4038600" cy="1588"/>
+            <a:off x="4419600" y="349469"/>
+            <a:ext cx="2819400" cy="1588"/>
           </a:xfrm>
           <a:prstGeom prst="bentConnector3">
             <a:avLst>
@@ -4452,17 +4484,17 @@
       </p:cxnSp>
       <p:cxnSp>
         <p:nvCxnSpPr>
-          <p:cNvPr id="76" name="Elbow Connector 75"/>
+          <p:cNvPr id="156" name="Elbow Connector 155"/>
           <p:cNvCxnSpPr>
-            <a:stCxn id="4" idx="3"/>
-            <a:endCxn id="29" idx="2"/>
+            <a:stCxn id="123" idx="3"/>
+            <a:endCxn id="139" idx="2"/>
           </p:cNvCxnSpPr>
           <p:nvPr/>
         </p:nvCxnSpPr>
         <p:spPr>
           <a:xfrm>
-            <a:off x="1493520" y="617220"/>
-            <a:ext cx="640080" cy="3618449"/>
+            <a:off x="1493520" y="617221"/>
+            <a:ext cx="640080" cy="3608923"/>
           </a:xfrm>
           <a:prstGeom prst="bentConnector3">
             <a:avLst>
@@ -4487,14 +4519,14 @@
       </p:cxnSp>
       <p:sp>
         <p:nvSpPr>
-          <p:cNvPr id="79" name="Rectangle 78"/>
+          <p:cNvPr id="157" name="Rectangle 156"/>
           <p:cNvSpPr/>
           <p:nvPr/>
         </p:nvSpPr>
         <p:spPr>
           <a:xfrm>
             <a:off x="2118360" y="1524000"/>
-            <a:ext cx="1066800" cy="381000"/>
+            <a:ext cx="2301240" cy="381000"/>
           </a:xfrm>
           <a:prstGeom prst="rect">
             <a:avLst/>
@@ -4527,7 +4559,15 @@
             </a:r>
             <a:r>
               <a:rPr lang="en-US" sz="1500" dirty="0" smtClean="0"/>
-              <a:t>-release</a:t>
+              <a:t>-</a:t>
+            </a:r>
+            <a:r>
+              <a:rPr lang="en-US" sz="1500" dirty="0" err="1" smtClean="0"/>
+              <a:t>BareMetal</a:t>
+            </a:r>
+            <a:r>
+              <a:rPr lang="en-US" sz="1500" dirty="0" smtClean="0"/>
+              <a:t>-Release</a:t>
             </a:r>
             <a:endParaRPr lang="en-US" sz="1500" dirty="0"/>
           </a:p>
@@ -4535,7 +4575,7 @@
       </p:sp>
       <p:sp>
         <p:nvSpPr>
-          <p:cNvPr id="80" name="Snip Single Corner Rectangle 79"/>
+          <p:cNvPr id="158" name="Snip Single Corner Rectangle 157"/>
           <p:cNvSpPr/>
           <p:nvPr/>
         </p:nvSpPr>
@@ -4596,13 +4636,13 @@
       </p:sp>
       <p:sp>
         <p:nvSpPr>
-          <p:cNvPr id="81" name="Snip Single Corner Rectangle 80"/>
+          <p:cNvPr id="159" name="Snip Single Corner Rectangle 158"/>
           <p:cNvSpPr/>
           <p:nvPr/>
         </p:nvSpPr>
         <p:spPr>
           <a:xfrm>
-            <a:off x="7239000" y="1981200"/>
+            <a:off x="7239000" y="1981201"/>
             <a:ext cx="1706880" cy="394138"/>
           </a:xfrm>
           <a:prstGeom prst="snip1Rect">
@@ -4657,17 +4697,17 @@
       </p:sp>
       <p:cxnSp>
         <p:nvCxnSpPr>
-          <p:cNvPr id="82" name="Elbow Connector 81"/>
+          <p:cNvPr id="160" name="Elbow Connector 159"/>
           <p:cNvCxnSpPr>
-            <a:stCxn id="79" idx="3"/>
-            <a:endCxn id="80" idx="2"/>
+            <a:stCxn id="157" idx="3"/>
+            <a:endCxn id="158" idx="2"/>
           </p:cNvCxnSpPr>
           <p:nvPr/>
         </p:nvCxnSpPr>
         <p:spPr>
           <a:xfrm>
-            <a:off x="3185160" y="1714500"/>
-            <a:ext cx="4053840" cy="1588"/>
+            <a:off x="4419600" y="1714501"/>
+            <a:ext cx="2819400" cy="1588"/>
           </a:xfrm>
           <a:prstGeom prst="bentConnector3">
             <a:avLst>
@@ -4692,17 +4732,17 @@
       </p:cxnSp>
       <p:cxnSp>
         <p:nvCxnSpPr>
-          <p:cNvPr id="83" name="Elbow Connector 82"/>
+          <p:cNvPr id="161" name="Elbow Connector 160"/>
           <p:cNvCxnSpPr>
-            <a:stCxn id="79" idx="3"/>
-            <a:endCxn id="81" idx="2"/>
+            <a:stCxn id="157" idx="3"/>
+            <a:endCxn id="159" idx="2"/>
           </p:cNvCxnSpPr>
           <p:nvPr/>
         </p:nvCxnSpPr>
         <p:spPr>
           <a:xfrm>
-            <a:off x="3185160" y="1714500"/>
-            <a:ext cx="4053840" cy="463769"/>
+            <a:off x="4419600" y="1714501"/>
+            <a:ext cx="2819400" cy="463769"/>
           </a:xfrm>
           <a:prstGeom prst="bentConnector3">
             <a:avLst>
@@ -4727,10 +4767,10 @@
       </p:cxnSp>
       <p:cxnSp>
         <p:nvCxnSpPr>
-          <p:cNvPr id="85" name="Elbow Connector 84"/>
+          <p:cNvPr id="162" name="Elbow Connector 161"/>
           <p:cNvCxnSpPr>
-            <a:stCxn id="4" idx="3"/>
-            <a:endCxn id="79" idx="1"/>
+            <a:stCxn id="123" idx="3"/>
+            <a:endCxn id="157" idx="1"/>
           </p:cNvCxnSpPr>
           <p:nvPr/>
         </p:nvCxnSpPr>
@@ -4762,13 +4802,13 @@
       </p:cxnSp>
       <p:sp>
         <p:nvSpPr>
-          <p:cNvPr id="97" name="Rectangle 96"/>
+          <p:cNvPr id="163" name="Rectangle 162"/>
           <p:cNvSpPr/>
           <p:nvPr/>
         </p:nvSpPr>
         <p:spPr>
           <a:xfrm>
-            <a:off x="2133600" y="5029200"/>
+            <a:off x="2133600" y="5400675"/>
             <a:ext cx="1066800" cy="381000"/>
           </a:xfrm>
           <a:prstGeom prst="rect">
@@ -4806,13 +4846,13 @@
       </p:sp>
       <p:sp>
         <p:nvSpPr>
-          <p:cNvPr id="98" name="Snip Single Corner Rectangle 97"/>
+          <p:cNvPr id="164" name="Snip Single Corner Rectangle 163"/>
           <p:cNvSpPr/>
           <p:nvPr/>
         </p:nvSpPr>
         <p:spPr>
           <a:xfrm>
-            <a:off x="7254240" y="5029200"/>
+            <a:off x="7254240" y="5400675"/>
             <a:ext cx="1706880" cy="381000"/>
           </a:xfrm>
           <a:prstGeom prst="snip1Rect">
@@ -4867,13 +4907,13 @@
       </p:sp>
       <p:sp>
         <p:nvSpPr>
-          <p:cNvPr id="99" name="Rectangle 98"/>
+          <p:cNvPr id="165" name="Rectangle 164"/>
           <p:cNvSpPr/>
           <p:nvPr/>
         </p:nvSpPr>
         <p:spPr>
           <a:xfrm>
-            <a:off x="3733800" y="5486400"/>
+            <a:off x="3733800" y="5857875"/>
             <a:ext cx="1371600" cy="381000"/>
           </a:xfrm>
           <a:prstGeom prst="rect">
@@ -4911,13 +4951,13 @@
       </p:sp>
       <p:sp>
         <p:nvSpPr>
-          <p:cNvPr id="100" name="Rectangle 99"/>
+          <p:cNvPr id="166" name="Rectangle 165"/>
           <p:cNvSpPr/>
           <p:nvPr/>
         </p:nvSpPr>
         <p:spPr>
           <a:xfrm>
-            <a:off x="3733800" y="5943600"/>
+            <a:off x="3733800" y="6315076"/>
             <a:ext cx="1371600" cy="381000"/>
           </a:xfrm>
           <a:prstGeom prst="rect">
@@ -4955,13 +4995,13 @@
       </p:sp>
       <p:sp>
         <p:nvSpPr>
-          <p:cNvPr id="101" name="Snip Single Corner Rectangle 100"/>
+          <p:cNvPr id="167" name="Snip Single Corner Rectangle 166"/>
           <p:cNvSpPr/>
           <p:nvPr/>
         </p:nvSpPr>
         <p:spPr>
           <a:xfrm>
-            <a:off x="7239000" y="5486400"/>
+            <a:off x="7239000" y="5857875"/>
             <a:ext cx="1706880" cy="381000"/>
           </a:xfrm>
           <a:prstGeom prst="snip1Rect">
@@ -5016,13 +5056,13 @@
       </p:sp>
       <p:sp>
         <p:nvSpPr>
-          <p:cNvPr id="102" name="Snip Single Corner Rectangle 101"/>
+          <p:cNvPr id="168" name="Snip Single Corner Rectangle 167"/>
           <p:cNvSpPr/>
           <p:nvPr/>
         </p:nvSpPr>
         <p:spPr>
           <a:xfrm>
-            <a:off x="7239000" y="5943600"/>
+            <a:off x="7239000" y="6315076"/>
             <a:ext cx="1706880" cy="381000"/>
           </a:xfrm>
           <a:prstGeom prst="snip1Rect">
@@ -5077,13 +5117,13 @@
       </p:sp>
       <p:sp>
         <p:nvSpPr>
-          <p:cNvPr id="104" name="Snip Single Corner Rectangle 103"/>
+          <p:cNvPr id="169" name="Snip Single Corner Rectangle 168"/>
           <p:cNvSpPr/>
           <p:nvPr/>
         </p:nvSpPr>
         <p:spPr>
           <a:xfrm>
-            <a:off x="7239000" y="6477000"/>
+            <a:off x="7239000" y="6848476"/>
             <a:ext cx="1706880" cy="381000"/>
           </a:xfrm>
           <a:prstGeom prst="snip1Rect">
@@ -5138,17 +5178,17 @@
       </p:sp>
       <p:cxnSp>
         <p:nvCxnSpPr>
-          <p:cNvPr id="106" name="Elbow Connector 105"/>
+          <p:cNvPr id="170" name="Elbow Connector 169"/>
           <p:cNvCxnSpPr>
-            <a:stCxn id="4" idx="3"/>
-            <a:endCxn id="97" idx="1"/>
+            <a:stCxn id="123" idx="3"/>
+            <a:endCxn id="163" idx="1"/>
           </p:cNvCxnSpPr>
           <p:nvPr/>
         </p:nvCxnSpPr>
         <p:spPr>
           <a:xfrm>
-            <a:off x="1493520" y="617220"/>
-            <a:ext cx="640080" cy="4602480"/>
+            <a:off x="1493520" y="617221"/>
+            <a:ext cx="640080" cy="4973954"/>
           </a:xfrm>
           <a:prstGeom prst="bentConnector3">
             <a:avLst>
@@ -5173,16 +5213,16 @@
       </p:cxnSp>
       <p:cxnSp>
         <p:nvCxnSpPr>
-          <p:cNvPr id="109" name="Elbow Connector 108"/>
+          <p:cNvPr id="171" name="Elbow Connector 170"/>
           <p:cNvCxnSpPr>
-            <a:stCxn id="97" idx="3"/>
-            <a:endCxn id="99" idx="1"/>
+            <a:stCxn id="163" idx="3"/>
+            <a:endCxn id="165" idx="1"/>
           </p:cNvCxnSpPr>
           <p:nvPr/>
         </p:nvCxnSpPr>
         <p:spPr>
           <a:xfrm>
-            <a:off x="3200400" y="5219700"/>
+            <a:off x="3200400" y="5591175"/>
             <a:ext cx="533400" cy="457200"/>
           </a:xfrm>
           <a:prstGeom prst="bentConnector3">
@@ -5208,16 +5248,16 @@
       </p:cxnSp>
       <p:cxnSp>
         <p:nvCxnSpPr>
-          <p:cNvPr id="111" name="Elbow Connector 110"/>
+          <p:cNvPr id="172" name="Elbow Connector 171"/>
           <p:cNvCxnSpPr>
-            <a:stCxn id="97" idx="3"/>
-            <a:endCxn id="100" idx="1"/>
+            <a:stCxn id="163" idx="3"/>
+            <a:endCxn id="166" idx="1"/>
           </p:cNvCxnSpPr>
           <p:nvPr/>
         </p:nvCxnSpPr>
         <p:spPr>
           <a:xfrm>
-            <a:off x="3200400" y="5219700"/>
+            <a:off x="3200400" y="5591175"/>
             <a:ext cx="533400" cy="914400"/>
           </a:xfrm>
           <a:prstGeom prst="bentConnector3">
@@ -5243,16 +5283,16 @@
       </p:cxnSp>
       <p:cxnSp>
         <p:nvCxnSpPr>
-          <p:cNvPr id="115" name="Elbow Connector 114"/>
+          <p:cNvPr id="173" name="Elbow Connector 172"/>
           <p:cNvCxnSpPr>
-            <a:stCxn id="99" idx="3"/>
-            <a:endCxn id="101" idx="2"/>
+            <a:stCxn id="165" idx="3"/>
+            <a:endCxn id="167" idx="2"/>
           </p:cNvCxnSpPr>
           <p:nvPr/>
         </p:nvCxnSpPr>
         <p:spPr>
           <a:xfrm>
-            <a:off x="5105400" y="5676900"/>
+            <a:off x="5105400" y="6048376"/>
             <a:ext cx="2133600" cy="1588"/>
           </a:xfrm>
           <a:prstGeom prst="bentConnector3">
@@ -5278,16 +5318,16 @@
       </p:cxnSp>
       <p:cxnSp>
         <p:nvCxnSpPr>
-          <p:cNvPr id="117" name="Elbow Connector 116"/>
+          <p:cNvPr id="174" name="Elbow Connector 173"/>
           <p:cNvCxnSpPr>
-            <a:stCxn id="97" idx="3"/>
-            <a:endCxn id="98" idx="2"/>
+            <a:stCxn id="163" idx="3"/>
+            <a:endCxn id="164" idx="2"/>
           </p:cNvCxnSpPr>
           <p:nvPr/>
         </p:nvCxnSpPr>
         <p:spPr>
           <a:xfrm>
-            <a:off x="3200400" y="5219700"/>
+            <a:off x="3200400" y="5591176"/>
             <a:ext cx="4053840" cy="1588"/>
           </a:xfrm>
           <a:prstGeom prst="bentConnector3">
@@ -5313,16 +5353,16 @@
       </p:cxnSp>
       <p:cxnSp>
         <p:nvCxnSpPr>
-          <p:cNvPr id="119" name="Elbow Connector 118"/>
+          <p:cNvPr id="175" name="Elbow Connector 174"/>
           <p:cNvCxnSpPr>
-            <a:stCxn id="100" idx="3"/>
-            <a:endCxn id="102" idx="2"/>
+            <a:stCxn id="166" idx="3"/>
+            <a:endCxn id="168" idx="2"/>
           </p:cNvCxnSpPr>
           <p:nvPr/>
         </p:nvCxnSpPr>
         <p:spPr>
           <a:xfrm>
-            <a:off x="5105400" y="6134100"/>
+            <a:off x="5105400" y="6505575"/>
             <a:ext cx="2133600" cy="1588"/>
           </a:xfrm>
           <a:prstGeom prst="bentConnector3">
@@ -5348,16 +5388,16 @@
       </p:cxnSp>
       <p:cxnSp>
         <p:nvCxnSpPr>
-          <p:cNvPr id="122" name="Elbow Connector 121"/>
+          <p:cNvPr id="176" name="Elbow Connector 175"/>
           <p:cNvCxnSpPr>
-            <a:stCxn id="9" idx="3"/>
-            <a:endCxn id="104" idx="2"/>
+            <a:stCxn id="125" idx="3"/>
+            <a:endCxn id="169" idx="2"/>
           </p:cNvCxnSpPr>
           <p:nvPr/>
         </p:nvCxnSpPr>
         <p:spPr>
           <a:xfrm>
-            <a:off x="3200400" y="6667500"/>
+            <a:off x="3200400" y="7038975"/>
             <a:ext cx="4038600" cy="1588"/>
           </a:xfrm>
           <a:prstGeom prst="bentConnector3">
@@ -5383,13 +5423,13 @@
       </p:cxnSp>
       <p:sp>
         <p:nvSpPr>
-          <p:cNvPr id="186" name="Snip Single Corner Rectangle 185"/>
+          <p:cNvPr id="177" name="Snip Single Corner Rectangle 176"/>
           <p:cNvSpPr/>
           <p:nvPr/>
         </p:nvSpPr>
         <p:spPr>
           <a:xfrm>
-            <a:off x="2133600" y="4495800"/>
+            <a:off x="2133600" y="4930337"/>
             <a:ext cx="1920240" cy="394138"/>
           </a:xfrm>
           <a:prstGeom prst="snip1Rect">
@@ -5449,17 +5489,17 @@
       </p:sp>
       <p:cxnSp>
         <p:nvCxnSpPr>
-          <p:cNvPr id="201" name="Elbow Connector 200"/>
+          <p:cNvPr id="178" name="Elbow Connector 177"/>
           <p:cNvCxnSpPr>
-            <a:stCxn id="4" idx="3"/>
-            <a:endCxn id="186" idx="2"/>
+            <a:stCxn id="123" idx="3"/>
+            <a:endCxn id="177" idx="2"/>
           </p:cNvCxnSpPr>
           <p:nvPr/>
         </p:nvCxnSpPr>
         <p:spPr>
           <a:xfrm>
-            <a:off x="1493520" y="617220"/>
-            <a:ext cx="640080" cy="4075649"/>
+            <a:off x="1493520" y="617221"/>
+            <a:ext cx="640080" cy="4510185"/>
           </a:xfrm>
           <a:prstGeom prst="bentConnector3">
             <a:avLst>
@@ -5484,16 +5524,16 @@
       </p:cxnSp>
       <p:cxnSp>
         <p:nvCxnSpPr>
-          <p:cNvPr id="208" name="Elbow Connector 207"/>
+          <p:cNvPr id="179" name="Elbow Connector 178"/>
           <p:cNvCxnSpPr>
-            <a:stCxn id="229" idx="3"/>
-            <a:endCxn id="225" idx="2"/>
+            <a:stCxn id="184" idx="3"/>
+            <a:endCxn id="183" idx="2"/>
           </p:cNvCxnSpPr>
           <p:nvPr/>
         </p:nvCxnSpPr>
         <p:spPr>
           <a:xfrm>
-            <a:off x="6781800" y="8953500"/>
+            <a:off x="6781800" y="9782176"/>
             <a:ext cx="457200" cy="1588"/>
           </a:xfrm>
           <a:prstGeom prst="bentConnector3">
@@ -5519,13 +5559,13 @@
       </p:cxnSp>
       <p:sp>
         <p:nvSpPr>
-          <p:cNvPr id="222" name="Snip Single Corner Rectangle 221"/>
+          <p:cNvPr id="180" name="Snip Single Corner Rectangle 179"/>
           <p:cNvSpPr/>
           <p:nvPr/>
         </p:nvSpPr>
         <p:spPr>
           <a:xfrm>
-            <a:off x="7239000" y="6934200"/>
+            <a:off x="7239000" y="7305675"/>
             <a:ext cx="1706880" cy="381000"/>
           </a:xfrm>
           <a:prstGeom prst="snip1Rect">
@@ -5580,13 +5620,13 @@
       </p:sp>
       <p:sp>
         <p:nvSpPr>
-          <p:cNvPr id="223" name="Snip Single Corner Rectangle 222"/>
+          <p:cNvPr id="181" name="Snip Single Corner Rectangle 180"/>
           <p:cNvSpPr/>
           <p:nvPr/>
         </p:nvSpPr>
         <p:spPr>
           <a:xfrm>
-            <a:off x="7239000" y="7391400"/>
+            <a:off x="7239000" y="7762875"/>
             <a:ext cx="1706880" cy="381000"/>
           </a:xfrm>
           <a:prstGeom prst="snip1Rect">
@@ -5646,13 +5686,13 @@
       </p:sp>
       <p:sp>
         <p:nvSpPr>
-          <p:cNvPr id="224" name="Snip Single Corner Rectangle 223"/>
+          <p:cNvPr id="182" name="Snip Single Corner Rectangle 181"/>
           <p:cNvSpPr/>
           <p:nvPr/>
         </p:nvSpPr>
         <p:spPr>
           <a:xfrm>
-            <a:off x="7239000" y="7848600"/>
+            <a:off x="7239000" y="8677276"/>
             <a:ext cx="1706880" cy="381000"/>
           </a:xfrm>
           <a:prstGeom prst="snip1Rect">
@@ -5712,13 +5752,13 @@
       </p:sp>
       <p:sp>
         <p:nvSpPr>
-          <p:cNvPr id="225" name="Snip Single Corner Rectangle 224"/>
+          <p:cNvPr id="183" name="Snip Single Corner Rectangle 182"/>
           <p:cNvSpPr/>
           <p:nvPr/>
         </p:nvSpPr>
         <p:spPr>
           <a:xfrm>
-            <a:off x="7239000" y="8763000"/>
+            <a:off x="7239000" y="9591675"/>
             <a:ext cx="1706880" cy="381000"/>
           </a:xfrm>
           <a:prstGeom prst="snip1Rect">
@@ -5773,13 +5813,13 @@
       </p:sp>
       <p:sp>
         <p:nvSpPr>
-          <p:cNvPr id="229" name="Rectangle 228"/>
+          <p:cNvPr id="184" name="Rectangle 183"/>
           <p:cNvSpPr/>
           <p:nvPr/>
         </p:nvSpPr>
         <p:spPr>
           <a:xfrm>
-            <a:off x="5410200" y="8763000"/>
+            <a:off x="5410200" y="9591675"/>
             <a:ext cx="1371600" cy="381000"/>
           </a:xfrm>
           <a:prstGeom prst="rect">
@@ -5816,13 +5856,13 @@
       </p:sp>
       <p:sp>
         <p:nvSpPr>
-          <p:cNvPr id="232" name="Rectangle 231"/>
+          <p:cNvPr id="185" name="Rectangle 184"/>
           <p:cNvSpPr/>
           <p:nvPr/>
         </p:nvSpPr>
         <p:spPr>
           <a:xfrm>
-            <a:off x="3733800" y="6934200"/>
+            <a:off x="3733800" y="7305675"/>
             <a:ext cx="1143000" cy="381000"/>
           </a:xfrm>
           <a:prstGeom prst="rect">
@@ -5860,16 +5900,16 @@
       </p:sp>
       <p:cxnSp>
         <p:nvCxnSpPr>
-          <p:cNvPr id="235" name="Elbow Connector 234"/>
+          <p:cNvPr id="187" name="Elbow Connector 186"/>
           <p:cNvCxnSpPr>
-            <a:stCxn id="232" idx="3"/>
-            <a:endCxn id="222" idx="2"/>
+            <a:stCxn id="185" idx="3"/>
+            <a:endCxn id="180" idx="2"/>
           </p:cNvCxnSpPr>
           <p:nvPr/>
         </p:nvCxnSpPr>
         <p:spPr>
           <a:xfrm>
-            <a:off x="4876800" y="7124700"/>
+            <a:off x="4876800" y="7496175"/>
             <a:ext cx="2362200" cy="1588"/>
           </a:xfrm>
           <a:prstGeom prst="bentConnector3">
@@ -5895,16 +5935,16 @@
       </p:cxnSp>
       <p:cxnSp>
         <p:nvCxnSpPr>
-          <p:cNvPr id="239" name="Elbow Connector 238"/>
+          <p:cNvPr id="188" name="Elbow Connector 187"/>
           <p:cNvCxnSpPr>
-            <a:stCxn id="232" idx="3"/>
-            <a:endCxn id="223" idx="2"/>
+            <a:stCxn id="185" idx="3"/>
+            <a:endCxn id="181" idx="2"/>
           </p:cNvCxnSpPr>
           <p:nvPr/>
         </p:nvCxnSpPr>
         <p:spPr>
           <a:xfrm>
-            <a:off x="4876800" y="7124700"/>
+            <a:off x="4876800" y="7496175"/>
             <a:ext cx="2362200" cy="457200"/>
           </a:xfrm>
           <a:prstGeom prst="bentConnector3">
@@ -5930,17 +5970,17 @@
       </p:cxnSp>
       <p:cxnSp>
         <p:nvCxnSpPr>
-          <p:cNvPr id="241" name="Elbow Connector 240"/>
+          <p:cNvPr id="189" name="Elbow Connector 188"/>
           <p:cNvCxnSpPr>
-            <a:stCxn id="232" idx="3"/>
-            <a:endCxn id="224" idx="2"/>
+            <a:stCxn id="185" idx="3"/>
+            <a:endCxn id="182" idx="2"/>
           </p:cNvCxnSpPr>
           <p:nvPr/>
         </p:nvCxnSpPr>
         <p:spPr>
           <a:xfrm>
-            <a:off x="4876800" y="7124700"/>
-            <a:ext cx="2362200" cy="914400"/>
+            <a:off x="4876800" y="7496176"/>
+            <a:ext cx="2362200" cy="1371600"/>
           </a:xfrm>
           <a:prstGeom prst="bentConnector3">
             <a:avLst>
@@ -5965,17 +6005,17 @@
       </p:cxnSp>
       <p:cxnSp>
         <p:nvCxnSpPr>
-          <p:cNvPr id="243" name="Elbow Connector 242"/>
+          <p:cNvPr id="190" name="Elbow Connector 189"/>
           <p:cNvCxnSpPr>
-            <a:stCxn id="232" idx="3"/>
-            <a:endCxn id="229" idx="1"/>
+            <a:stCxn id="185" idx="3"/>
+            <a:endCxn id="184" idx="1"/>
           </p:cNvCxnSpPr>
           <p:nvPr/>
         </p:nvCxnSpPr>
         <p:spPr>
           <a:xfrm>
-            <a:off x="4876800" y="7124700"/>
-            <a:ext cx="533400" cy="1828800"/>
+            <a:off x="4876800" y="7496176"/>
+            <a:ext cx="533400" cy="2286000"/>
           </a:xfrm>
           <a:prstGeom prst="bentConnector3">
             <a:avLst>
@@ -6000,13 +6040,13 @@
       </p:cxnSp>
       <p:sp>
         <p:nvSpPr>
-          <p:cNvPr id="245" name="Snip Single Corner Rectangle 244"/>
+          <p:cNvPr id="191" name="Snip Single Corner Rectangle 190"/>
           <p:cNvSpPr/>
           <p:nvPr/>
         </p:nvSpPr>
         <p:spPr>
           <a:xfrm>
-            <a:off x="7239000" y="8305800"/>
+            <a:off x="7239000" y="9134475"/>
             <a:ext cx="1905000" cy="394138"/>
           </a:xfrm>
           <a:prstGeom prst="snip1Rect">
@@ -6066,17 +6106,219 @@
       </p:sp>
       <p:cxnSp>
         <p:nvCxnSpPr>
-          <p:cNvPr id="247" name="Elbow Connector 246"/>
+          <p:cNvPr id="192" name="Elbow Connector 191"/>
           <p:cNvCxnSpPr>
-            <a:stCxn id="232" idx="3"/>
-            <a:endCxn id="245" idx="2"/>
+            <a:stCxn id="185" idx="3"/>
+            <a:endCxn id="191" idx="2"/>
           </p:cNvCxnSpPr>
           <p:nvPr/>
         </p:nvCxnSpPr>
         <p:spPr>
           <a:xfrm>
-            <a:off x="4876800" y="7124700"/>
-            <a:ext cx="2362200" cy="1378169"/>
+            <a:off x="4876800" y="7496175"/>
+            <a:ext cx="2362200" cy="1835369"/>
+          </a:xfrm>
+          <a:prstGeom prst="bentConnector3">
+            <a:avLst>
+              <a:gd name="adj1" fmla="val 50000"/>
+            </a:avLst>
+          </a:prstGeom>
+        </p:spPr>
+        <p:style>
+          <a:lnRef idx="1">
+            <a:schemeClr val="accent1"/>
+          </a:lnRef>
+          <a:fillRef idx="0">
+            <a:schemeClr val="accent1"/>
+          </a:fillRef>
+          <a:effectRef idx="0">
+            <a:schemeClr val="accent1"/>
+          </a:effectRef>
+          <a:fontRef idx="minor">
+            <a:schemeClr val="tx1"/>
+          </a:fontRef>
+        </p:style>
+      </p:cxnSp>
+      <p:sp>
+        <p:nvSpPr>
+          <p:cNvPr id="193" name="Snip Single Corner Rectangle 192"/>
+          <p:cNvSpPr/>
+          <p:nvPr/>
+        </p:nvSpPr>
+        <p:spPr>
+          <a:xfrm>
+            <a:off x="7239000" y="8220076"/>
+            <a:ext cx="1706880" cy="381000"/>
+          </a:xfrm>
+          <a:prstGeom prst="snip1Rect">
+            <a:avLst/>
+          </a:prstGeom>
+          <a:solidFill>
+            <a:schemeClr val="accent1">
+              <a:lumMod val="40000"/>
+              <a:lumOff val="60000"/>
+            </a:schemeClr>
+          </a:solidFill>
+          <a:ln>
+            <a:solidFill>
+              <a:schemeClr val="accent1">
+                <a:lumMod val="60000"/>
+                <a:lumOff val="40000"/>
+              </a:schemeClr>
+            </a:solidFill>
+          </a:ln>
+        </p:spPr>
+        <p:style>
+          <a:lnRef idx="2">
+            <a:schemeClr val="accent1">
+              <a:shade val="50000"/>
+            </a:schemeClr>
+          </a:lnRef>
+          <a:fillRef idx="1">
+            <a:schemeClr val="accent1"/>
+          </a:fillRef>
+          <a:effectRef idx="0">
+            <a:schemeClr val="accent1"/>
+          </a:effectRef>
+          <a:fontRef idx="minor">
+            <a:schemeClr val="lt1"/>
+          </a:fontRef>
+        </p:style>
+        <p:txBody>
+          <a:bodyPr lIns="128016" tIns="64008" rIns="128016" bIns="64008" rtlCol="0" anchor="ctr"/>
+          <a:lstStyle/>
+          <a:p>
+            <a:pPr algn="ctr"/>
+            <a:r>
+              <a:rPr lang="en-US" sz="1500" dirty="0" err="1" smtClean="0">
+                <a:solidFill>
+                  <a:schemeClr val="tx1"/>
+                </a:solidFill>
+              </a:rPr>
+              <a:t>start.S</a:t>
+            </a:r>
+            <a:endParaRPr lang="en-US" sz="1500" dirty="0">
+              <a:solidFill>
+                <a:schemeClr val="tx1"/>
+              </a:solidFill>
+            </a:endParaRPr>
+          </a:p>
+        </p:txBody>
+      </p:sp>
+      <p:cxnSp>
+        <p:nvCxnSpPr>
+          <p:cNvPr id="194" name="Elbow Connector 193"/>
+          <p:cNvCxnSpPr>
+            <a:stCxn id="185" idx="3"/>
+            <a:endCxn id="193" idx="2"/>
+          </p:cNvCxnSpPr>
+          <p:nvPr/>
+        </p:nvCxnSpPr>
+        <p:spPr>
+          <a:xfrm>
+            <a:off x="4876800" y="7496175"/>
+            <a:ext cx="2362200" cy="914400"/>
+          </a:xfrm>
+          <a:prstGeom prst="bentConnector3">
+            <a:avLst>
+              <a:gd name="adj1" fmla="val 50000"/>
+            </a:avLst>
+          </a:prstGeom>
+        </p:spPr>
+        <p:style>
+          <a:lnRef idx="1">
+            <a:schemeClr val="accent1"/>
+          </a:lnRef>
+          <a:fillRef idx="0">
+            <a:schemeClr val="accent1"/>
+          </a:fillRef>
+          <a:effectRef idx="0">
+            <a:schemeClr val="accent1"/>
+          </a:effectRef>
+          <a:fontRef idx="minor">
+            <a:schemeClr val="tx1"/>
+          </a:fontRef>
+        </p:style>
+      </p:cxnSp>
+      <p:sp>
+        <p:nvSpPr>
+          <p:cNvPr id="197" name="Snip Single Corner Rectangle 196"/>
+          <p:cNvSpPr/>
+          <p:nvPr/>
+        </p:nvSpPr>
+        <p:spPr>
+          <a:xfrm>
+            <a:off x="2133600" y="4486275"/>
+            <a:ext cx="1920240" cy="394138"/>
+          </a:xfrm>
+          <a:prstGeom prst="snip1Rect">
+            <a:avLst/>
+          </a:prstGeom>
+          <a:solidFill>
+            <a:schemeClr val="accent1">
+              <a:lumMod val="40000"/>
+              <a:lumOff val="60000"/>
+            </a:schemeClr>
+          </a:solidFill>
+          <a:ln>
+            <a:solidFill>
+              <a:schemeClr val="accent1">
+                <a:lumMod val="60000"/>
+                <a:lumOff val="40000"/>
+              </a:schemeClr>
+            </a:solidFill>
+          </a:ln>
+        </p:spPr>
+        <p:style>
+          <a:lnRef idx="2">
+            <a:schemeClr val="accent1">
+              <a:shade val="50000"/>
+            </a:schemeClr>
+          </a:lnRef>
+          <a:fillRef idx="1">
+            <a:schemeClr val="accent1"/>
+          </a:fillRef>
+          <a:effectRef idx="0">
+            <a:schemeClr val="accent1"/>
+          </a:effectRef>
+          <a:fontRef idx="minor">
+            <a:schemeClr val="lt1"/>
+          </a:fontRef>
+        </p:style>
+        <p:txBody>
+          <a:bodyPr lIns="128016" tIns="64008" rIns="128016" bIns="64008" rtlCol="0" anchor="ctr"/>
+          <a:lstStyle/>
+          <a:p>
+            <a:pPr algn="ctr"/>
+            <a:r>
+              <a:rPr lang="en-US" sz="1500" dirty="0" err="1" smtClean="0">
+                <a:solidFill>
+                  <a:schemeClr val="tx1"/>
+                </a:solidFill>
+              </a:rPr>
+              <a:t>baremetal.ld</a:t>
+            </a:r>
+            <a:endParaRPr lang="en-US" sz="1500" dirty="0">
+              <a:solidFill>
+                <a:schemeClr val="tx1"/>
+              </a:solidFill>
+            </a:endParaRPr>
+          </a:p>
+        </p:txBody>
+      </p:sp>
+      <p:cxnSp>
+        <p:nvCxnSpPr>
+          <p:cNvPr id="198" name="Elbow Connector 197"/>
+          <p:cNvCxnSpPr>
+            <a:stCxn id="123" idx="3"/>
+            <a:endCxn id="197" idx="2"/>
+          </p:cNvCxnSpPr>
+          <p:nvPr/>
+        </p:nvCxnSpPr>
+        <p:spPr>
+          <a:xfrm>
+            <a:off x="1493520" y="617221"/>
+            <a:ext cx="640080" cy="4066123"/>
           </a:xfrm>
           <a:prstGeom prst="bentConnector3">
             <a:avLst>

--- a/doc/images/project-structure-target.pptx
+++ b/doc/images/project-structure-target.pptx
@@ -289,7 +289,7 @@
             <a:fld id="{464958D0-047A-4B5C-B600-9D705598A485}" type="datetimeFigureOut">
               <a:rPr lang="en-US" smtClean="0"/>
               <a:pPr/>
-              <a:t>12/18/2023</a:t>
+              <a:t>12/29/2023</a:t>
             </a:fld>
             <a:endParaRPr lang="en-US"/>
           </a:p>
@@ -456,7 +456,7 @@
             <a:fld id="{464958D0-047A-4B5C-B600-9D705598A485}" type="datetimeFigureOut">
               <a:rPr lang="en-US" smtClean="0"/>
               <a:pPr/>
-              <a:t>12/18/2023</a:t>
+              <a:t>12/29/2023</a:t>
             </a:fld>
             <a:endParaRPr lang="en-US"/>
           </a:p>
@@ -633,7 +633,7 @@
             <a:fld id="{464958D0-047A-4B5C-B600-9D705598A485}" type="datetimeFigureOut">
               <a:rPr lang="en-US" smtClean="0"/>
               <a:pPr/>
-              <a:t>12/18/2023</a:t>
+              <a:t>12/29/2023</a:t>
             </a:fld>
             <a:endParaRPr lang="en-US"/>
           </a:p>
@@ -800,7 +800,7 @@
             <a:fld id="{464958D0-047A-4B5C-B600-9D705598A485}" type="datetimeFigureOut">
               <a:rPr lang="en-US" smtClean="0"/>
               <a:pPr/>
-              <a:t>12/18/2023</a:t>
+              <a:t>12/29/2023</a:t>
             </a:fld>
             <a:endParaRPr lang="en-US"/>
           </a:p>
@@ -1043,7 +1043,7 @@
             <a:fld id="{464958D0-047A-4B5C-B600-9D705598A485}" type="datetimeFigureOut">
               <a:rPr lang="en-US" smtClean="0"/>
               <a:pPr/>
-              <a:t>12/18/2023</a:t>
+              <a:t>12/29/2023</a:t>
             </a:fld>
             <a:endParaRPr lang="en-US"/>
           </a:p>
@@ -1328,7 +1328,7 @@
             <a:fld id="{464958D0-047A-4B5C-B600-9D705598A485}" type="datetimeFigureOut">
               <a:rPr lang="en-US" smtClean="0"/>
               <a:pPr/>
-              <a:t>12/18/2023</a:t>
+              <a:t>12/29/2023</a:t>
             </a:fld>
             <a:endParaRPr lang="en-US"/>
           </a:p>
@@ -1747,7 +1747,7 @@
             <a:fld id="{464958D0-047A-4B5C-B600-9D705598A485}" type="datetimeFigureOut">
               <a:rPr lang="en-US" smtClean="0"/>
               <a:pPr/>
-              <a:t>12/18/2023</a:t>
+              <a:t>12/29/2023</a:t>
             </a:fld>
             <a:endParaRPr lang="en-US"/>
           </a:p>
@@ -1862,7 +1862,7 @@
             <a:fld id="{464958D0-047A-4B5C-B600-9D705598A485}" type="datetimeFigureOut">
               <a:rPr lang="en-US" smtClean="0"/>
               <a:pPr/>
-              <a:t>12/18/2023</a:t>
+              <a:t>12/29/2023</a:t>
             </a:fld>
             <a:endParaRPr lang="en-US"/>
           </a:p>
@@ -1954,7 +1954,7 @@
             <a:fld id="{464958D0-047A-4B5C-B600-9D705598A485}" type="datetimeFigureOut">
               <a:rPr lang="en-US" smtClean="0"/>
               <a:pPr/>
-              <a:t>12/18/2023</a:t>
+              <a:t>12/29/2023</a:t>
             </a:fld>
             <a:endParaRPr lang="en-US"/>
           </a:p>
@@ -2228,7 +2228,7 @@
             <a:fld id="{464958D0-047A-4B5C-B600-9D705598A485}" type="datetimeFigureOut">
               <a:rPr lang="en-US" smtClean="0"/>
               <a:pPr/>
-              <a:t>12/18/2023</a:t>
+              <a:t>12/29/2023</a:t>
             </a:fld>
             <a:endParaRPr lang="en-US"/>
           </a:p>
@@ -2478,7 +2478,7 @@
             <a:fld id="{464958D0-047A-4B5C-B600-9D705598A485}" type="datetimeFigureOut">
               <a:rPr lang="en-US" smtClean="0"/>
               <a:pPr/>
-              <a:t>12/18/2023</a:t>
+              <a:t>12/29/2023</a:t>
             </a:fld>
             <a:endParaRPr lang="en-US"/>
           </a:p>
@@ -2688,7 +2688,7 @@
             <a:fld id="{464958D0-047A-4B5C-B600-9D705598A485}" type="datetimeFigureOut">
               <a:rPr lang="en-US" smtClean="0"/>
               <a:pPr/>
-              <a:t>12/18/2023</a:t>
+              <a:t>12/29/2023</a:t>
             </a:fld>
             <a:endParaRPr lang="en-US"/>
           </a:p>
@@ -3096,7 +3096,7 @@
           <a:p>
             <a:pPr algn="ctr"/>
             <a:r>
-              <a:rPr lang="en-US" sz="1500" dirty="0"/>
+              <a:rPr lang="en-US" sz="1400" dirty="0"/>
               <a:t>root directory</a:t>
             </a:r>
           </a:p>
@@ -3139,22 +3139,22 @@
           <a:p>
             <a:pPr algn="ctr"/>
             <a:r>
-              <a:rPr lang="en-US" sz="1500" dirty="0" err="1" smtClean="0"/>
+              <a:rPr lang="en-US" sz="1400" dirty="0" err="1" smtClean="0"/>
               <a:t>cmake</a:t>
             </a:r>
             <a:r>
-              <a:rPr lang="en-US" sz="1500" dirty="0" smtClean="0"/>
+              <a:rPr lang="en-US" sz="1400" dirty="0" smtClean="0"/>
               <a:t>-</a:t>
             </a:r>
             <a:r>
-              <a:rPr lang="en-US" sz="1500" dirty="0" err="1" smtClean="0"/>
+              <a:rPr lang="en-US" sz="1400" dirty="0" err="1" smtClean="0"/>
               <a:t>BareMetal</a:t>
             </a:r>
             <a:r>
-              <a:rPr lang="en-US" sz="1500" dirty="0" smtClean="0"/>
+              <a:rPr lang="en-US" sz="1400" dirty="0" smtClean="0"/>
               <a:t>-Debug</a:t>
             </a:r>
-            <a:endParaRPr lang="en-US" sz="1500" dirty="0"/>
+            <a:endParaRPr lang="en-US" sz="1400" dirty="0"/>
           </a:p>
         </p:txBody>
       </p:sp>
@@ -3195,7 +3195,7 @@
           <a:p>
             <a:pPr algn="ctr"/>
             <a:r>
-              <a:rPr lang="en-US" sz="1500" dirty="0"/>
+              <a:rPr lang="en-US" sz="1400" dirty="0"/>
               <a:t>tutorial</a:t>
             </a:r>
           </a:p>
@@ -3238,7 +3238,7 @@
           <a:p>
             <a:pPr algn="ctr"/>
             <a:r>
-              <a:rPr lang="en-US" sz="1500" dirty="0"/>
+              <a:rPr lang="en-US" sz="1400" dirty="0"/>
               <a:t>output</a:t>
             </a:r>
           </a:p>
@@ -3281,7 +3281,7 @@
           <a:p>
             <a:pPr algn="ctr"/>
             <a:r>
-              <a:rPr lang="en-US" sz="1500" dirty="0"/>
+              <a:rPr lang="en-US" sz="1400" dirty="0"/>
               <a:t>deploy</a:t>
             </a:r>
           </a:p>
@@ -3324,7 +3324,7 @@
           <a:p>
             <a:pPr algn="ctr"/>
             <a:r>
-              <a:rPr lang="en-US" sz="1500" dirty="0"/>
+              <a:rPr lang="en-US" sz="1400" dirty="0"/>
               <a:t>Debug</a:t>
             </a:r>
           </a:p>
@@ -3367,7 +3367,7 @@
           <a:p>
             <a:pPr algn="ctr"/>
             <a:r>
-              <a:rPr lang="en-US" sz="1500" dirty="0"/>
+              <a:rPr lang="en-US" sz="1400" dirty="0"/>
               <a:t>bin</a:t>
             </a:r>
           </a:p>
@@ -3410,7 +3410,7 @@
           <a:p>
             <a:pPr algn="ctr"/>
             <a:r>
-              <a:rPr lang="en-US" sz="1500" dirty="0"/>
+              <a:rPr lang="en-US" sz="1400" dirty="0"/>
               <a:t>lib</a:t>
             </a:r>
           </a:p>
@@ -3453,7 +3453,7 @@
           <a:p>
             <a:pPr algn="ctr"/>
             <a:r>
-              <a:rPr lang="en-US" sz="1500" dirty="0"/>
+              <a:rPr lang="en-US" sz="1400" dirty="0"/>
               <a:t>Debug</a:t>
             </a:r>
           </a:p>
@@ -3496,9 +3496,10 @@
           <a:p>
             <a:pPr algn="ctr"/>
             <a:r>
-              <a:rPr lang="en-US" sz="1500" dirty="0"/>
-              <a:t>00-build-image</a:t>
-            </a:r>
+              <a:rPr lang="en-US" sz="1400" dirty="0" smtClean="0"/>
+              <a:t>02-setting-up-a-project-image</a:t>
+            </a:r>
+            <a:endParaRPr lang="en-US" sz="1400" dirty="0"/>
           </a:p>
         </p:txBody>
       </p:sp>
@@ -3553,7 +3554,7 @@
           <a:p>
             <a:pPr algn="ctr"/>
             <a:r>
-              <a:rPr lang="en-US" sz="1500" dirty="0">
+              <a:rPr lang="en-US" sz="1400" dirty="0">
                 <a:solidFill>
                   <a:schemeClr val="tx1"/>
                 </a:solidFill>
@@ -3614,7 +3615,7 @@
           <a:p>
             <a:pPr algn="ctr"/>
             <a:r>
-              <a:rPr lang="en-US" sz="1500" dirty="0">
+              <a:rPr lang="en-US" sz="1400" dirty="0">
                 <a:solidFill>
                   <a:schemeClr val="tx1"/>
                 </a:solidFill>
@@ -3675,13 +3676,18 @@
           <a:p>
             <a:pPr algn="ctr"/>
             <a:r>
-              <a:rPr lang="en-US" sz="1500" dirty="0">
+              <a:rPr lang="en-US" sz="1400" dirty="0" smtClean="0">
                 <a:solidFill>
                   <a:schemeClr val="tx1"/>
                 </a:solidFill>
               </a:rPr>
-              <a:t>00-build.elf</a:t>
-            </a:r>
+              <a:t>02-setting-up-a-project.elf</a:t>
+            </a:r>
+            <a:endParaRPr lang="en-US" sz="1400" dirty="0">
+              <a:solidFill>
+                <a:schemeClr val="tx1"/>
+              </a:solidFill>
+            </a:endParaRPr>
           </a:p>
         </p:txBody>
       </p:sp>
@@ -3736,7 +3742,7 @@
           <a:p>
             <a:pPr algn="ctr"/>
             <a:r>
-              <a:rPr lang="en-US" sz="1500" dirty="0">
+              <a:rPr lang="en-US" sz="1400" dirty="0">
                 <a:solidFill>
                   <a:schemeClr val="tx1"/>
                 </a:solidFill>
@@ -3783,10 +3789,10 @@
           <a:p>
             <a:pPr algn="ctr"/>
             <a:r>
-              <a:rPr lang="en-US" sz="1500" dirty="0" err="1"/>
+              <a:rPr lang="en-US" sz="1400" dirty="0" err="1"/>
               <a:t>cmake</a:t>
             </a:r>
-            <a:endParaRPr lang="en-US" sz="1500" dirty="0"/>
+            <a:endParaRPr lang="en-US" sz="1400" dirty="0"/>
           </a:p>
         </p:txBody>
       </p:sp>
@@ -3841,14 +3847,14 @@
           <a:p>
             <a:pPr algn="ctr"/>
             <a:r>
-              <a:rPr lang="en-US" sz="1500" dirty="0" err="1">
+              <a:rPr lang="en-US" sz="1400" dirty="0" err="1">
                 <a:solidFill>
                   <a:schemeClr val="tx1"/>
                 </a:solidFill>
               </a:rPr>
               <a:t>functions.cmake</a:t>
             </a:r>
-            <a:endParaRPr lang="en-US" sz="1500" dirty="0">
+            <a:endParaRPr lang="en-US" sz="1400" dirty="0">
               <a:solidFill>
                 <a:schemeClr val="tx1"/>
               </a:solidFill>
@@ -3907,14 +3913,14 @@
           <a:p>
             <a:pPr algn="ctr"/>
             <a:r>
-              <a:rPr lang="en-US" sz="1500" dirty="0" err="1">
+              <a:rPr lang="en-US" sz="1400" dirty="0" err="1">
                 <a:solidFill>
                   <a:schemeClr val="tx1"/>
                 </a:solidFill>
               </a:rPr>
               <a:t>baremetal.toolchain</a:t>
             </a:r>
-            <a:endParaRPr lang="en-US" sz="1500" dirty="0">
+            <a:endParaRPr lang="en-US" sz="1400" dirty="0">
               <a:solidFill>
                 <a:schemeClr val="tx1"/>
               </a:solidFill>
@@ -4388,8 +4394,8 @@
         </p:nvCxnSpPr>
         <p:spPr>
           <a:xfrm>
-            <a:off x="3200400" y="7038975"/>
-            <a:ext cx="533400" cy="457200"/>
+            <a:off x="3200400" y="7038976"/>
+            <a:ext cx="457200" cy="457199"/>
           </a:xfrm>
           <a:prstGeom prst="bentConnector3">
             <a:avLst>
@@ -4554,22 +4560,22 @@
           <a:p>
             <a:pPr algn="ctr"/>
             <a:r>
-              <a:rPr lang="en-US" sz="1500" dirty="0" err="1" smtClean="0"/>
+              <a:rPr lang="en-US" sz="1400" dirty="0" err="1" smtClean="0"/>
               <a:t>cmake</a:t>
             </a:r>
             <a:r>
-              <a:rPr lang="en-US" sz="1500" dirty="0" smtClean="0"/>
+              <a:rPr lang="en-US" sz="1400" dirty="0" smtClean="0"/>
               <a:t>-</a:t>
             </a:r>
             <a:r>
-              <a:rPr lang="en-US" sz="1500" dirty="0" err="1" smtClean="0"/>
+              <a:rPr lang="en-US" sz="1400" dirty="0" err="1" smtClean="0"/>
               <a:t>BareMetal</a:t>
             </a:r>
             <a:r>
-              <a:rPr lang="en-US" sz="1500" dirty="0" smtClean="0"/>
+              <a:rPr lang="en-US" sz="1400" dirty="0" smtClean="0"/>
               <a:t>-Release</a:t>
             </a:r>
-            <a:endParaRPr lang="en-US" sz="1500" dirty="0"/>
+            <a:endParaRPr lang="en-US" sz="1400" dirty="0"/>
           </a:p>
         </p:txBody>
       </p:sp>
@@ -4624,7 +4630,7 @@
           <a:p>
             <a:pPr algn="ctr"/>
             <a:r>
-              <a:rPr lang="en-US" sz="1500" dirty="0">
+              <a:rPr lang="en-US" sz="1400" dirty="0">
                 <a:solidFill>
                   <a:schemeClr val="tx1"/>
                 </a:solidFill>
@@ -4685,7 +4691,7 @@
           <a:p>
             <a:pPr algn="ctr"/>
             <a:r>
-              <a:rPr lang="en-US" sz="1500" dirty="0">
+              <a:rPr lang="en-US" sz="1400" dirty="0">
                 <a:solidFill>
                   <a:schemeClr val="tx1"/>
                 </a:solidFill>
@@ -4837,10 +4843,10 @@
           <a:p>
             <a:pPr algn="ctr"/>
             <a:r>
-              <a:rPr lang="en-US" sz="1500" dirty="0" smtClean="0"/>
+              <a:rPr lang="en-US" sz="1400" dirty="0" smtClean="0"/>
               <a:t>code</a:t>
             </a:r>
-            <a:endParaRPr lang="en-US" sz="1500" dirty="0"/>
+            <a:endParaRPr lang="en-US" sz="1400" dirty="0"/>
           </a:p>
         </p:txBody>
       </p:sp>
@@ -4895,7 +4901,7 @@
           <a:p>
             <a:pPr algn="ctr"/>
             <a:r>
-              <a:rPr lang="en-US" sz="1500" dirty="0">
+              <a:rPr lang="en-US" sz="1400" dirty="0">
                 <a:solidFill>
                   <a:schemeClr val="tx1"/>
                 </a:solidFill>
@@ -4942,10 +4948,10 @@
           <a:p>
             <a:pPr algn="ctr"/>
             <a:r>
-              <a:rPr lang="en-US" sz="1500" dirty="0" smtClean="0"/>
+              <a:rPr lang="en-US" sz="1400" dirty="0" smtClean="0"/>
               <a:t>applications</a:t>
             </a:r>
-            <a:endParaRPr lang="en-US" sz="1500" dirty="0"/>
+            <a:endParaRPr lang="en-US" sz="1400" dirty="0"/>
           </a:p>
         </p:txBody>
       </p:sp>
@@ -4986,10 +4992,10 @@
           <a:p>
             <a:pPr algn="ctr"/>
             <a:r>
-              <a:rPr lang="en-US" sz="1500" dirty="0" smtClean="0"/>
+              <a:rPr lang="en-US" sz="1400" dirty="0" smtClean="0"/>
               <a:t>libraries</a:t>
             </a:r>
-            <a:endParaRPr lang="en-US" sz="1500" dirty="0"/>
+            <a:endParaRPr lang="en-US" sz="1400" dirty="0"/>
           </a:p>
         </p:txBody>
       </p:sp>
@@ -5044,7 +5050,7 @@
           <a:p>
             <a:pPr algn="ctr"/>
             <a:r>
-              <a:rPr lang="en-US" sz="1500" dirty="0">
+              <a:rPr lang="en-US" sz="1400" dirty="0">
                 <a:solidFill>
                   <a:schemeClr val="tx1"/>
                 </a:solidFill>
@@ -5105,7 +5111,7 @@
           <a:p>
             <a:pPr algn="ctr"/>
             <a:r>
-              <a:rPr lang="en-US" sz="1500" dirty="0">
+              <a:rPr lang="en-US" sz="1400" dirty="0">
                 <a:solidFill>
                   <a:schemeClr val="tx1"/>
                 </a:solidFill>
@@ -5166,7 +5172,7 @@
           <a:p>
             <a:pPr algn="ctr"/>
             <a:r>
-              <a:rPr lang="en-US" sz="1500" dirty="0">
+              <a:rPr lang="en-US" sz="1400" dirty="0">
                 <a:solidFill>
                   <a:schemeClr val="tx1"/>
                 </a:solidFill>
@@ -5472,14 +5478,14 @@
           <a:p>
             <a:pPr algn="ctr"/>
             <a:r>
-              <a:rPr lang="en-US" sz="1500" dirty="0" smtClean="0">
+              <a:rPr lang="en-US" sz="1400" dirty="0" smtClean="0">
                 <a:solidFill>
                   <a:schemeClr val="tx1"/>
                 </a:solidFill>
               </a:rPr>
               <a:t>CMakeLists.txt</a:t>
             </a:r>
-            <a:endParaRPr lang="en-US" sz="1500" dirty="0">
+            <a:endParaRPr lang="en-US" sz="1400" dirty="0">
               <a:solidFill>
                 <a:schemeClr val="tx1"/>
               </a:solidFill>
@@ -5608,7 +5614,7 @@
           <a:p>
             <a:pPr algn="ctr"/>
             <a:r>
-              <a:rPr lang="en-US" sz="1500" dirty="0">
+              <a:rPr lang="en-US" sz="1400" dirty="0">
                 <a:solidFill>
                   <a:schemeClr val="tx1"/>
                 </a:solidFill>
@@ -5669,14 +5675,14 @@
           <a:p>
             <a:pPr algn="ctr"/>
             <a:r>
-              <a:rPr lang="en-US" sz="1500" dirty="0" smtClean="0">
+              <a:rPr lang="en-US" sz="1400" dirty="0" smtClean="0">
                 <a:solidFill>
                   <a:schemeClr val="tx1"/>
                 </a:solidFill>
               </a:rPr>
               <a:t>main.cpp</a:t>
             </a:r>
-            <a:endParaRPr lang="en-US" sz="1500" dirty="0">
+            <a:endParaRPr lang="en-US" sz="1400" dirty="0">
               <a:solidFill>
                 <a:schemeClr val="tx1"/>
               </a:solidFill>
@@ -5735,14 +5741,14 @@
           <a:p>
             <a:pPr algn="ctr"/>
             <a:r>
-              <a:rPr lang="en-US" sz="1500" dirty="0" err="1" smtClean="0">
+              <a:rPr lang="en-US" sz="1400" dirty="0" err="1" smtClean="0">
                 <a:solidFill>
                   <a:schemeClr val="tx1"/>
                 </a:solidFill>
               </a:rPr>
               <a:t>link.ld</a:t>
             </a:r>
-            <a:endParaRPr lang="en-US" sz="1500" dirty="0">
+            <a:endParaRPr lang="en-US" sz="1400" dirty="0">
               <a:solidFill>
                 <a:schemeClr val="tx1"/>
               </a:solidFill>
@@ -5801,7 +5807,7 @@
           <a:p>
             <a:pPr algn="ctr"/>
             <a:r>
-              <a:rPr lang="en-US" sz="1500" dirty="0">
+              <a:rPr lang="en-US" sz="1400" dirty="0">
                 <a:solidFill>
                   <a:schemeClr val="tx1"/>
                 </a:solidFill>
@@ -5848,7 +5854,7 @@
           <a:p>
             <a:pPr algn="ctr"/>
             <a:r>
-              <a:rPr lang="en-US" sz="1500" dirty="0" smtClean="0"/>
+              <a:rPr lang="en-US" sz="1400" dirty="0" smtClean="0"/>
               <a:t>create-image</a:t>
             </a:r>
           </a:p>
@@ -5862,8 +5868,8 @@
         </p:nvSpPr>
         <p:spPr>
           <a:xfrm>
-            <a:off x="3733800" y="7305675"/>
-            <a:ext cx="1143000" cy="381000"/>
+            <a:off x="3657600" y="7305675"/>
+            <a:ext cx="1219200" cy="381000"/>
           </a:xfrm>
           <a:prstGeom prst="rect">
             <a:avLst/>
@@ -5891,10 +5897,10 @@
           <a:p>
             <a:pPr algn="ctr"/>
             <a:r>
-              <a:rPr lang="en-US" sz="1500" dirty="0" smtClean="0"/>
-              <a:t>00-build</a:t>
-            </a:r>
-            <a:endParaRPr lang="en-US" sz="1500" dirty="0"/>
+              <a:rPr lang="en-US" sz="1400" dirty="0" smtClean="0"/>
+              <a:t>02-setting-up-a-project</a:t>
+            </a:r>
+            <a:endParaRPr lang="en-US" sz="1400" dirty="0"/>
           </a:p>
         </p:txBody>
       </p:sp>
@@ -5979,8 +5985,8 @@
         </p:nvCxnSpPr>
         <p:spPr>
           <a:xfrm>
-            <a:off x="4876800" y="7496176"/>
-            <a:ext cx="2362200" cy="1371600"/>
+            <a:off x="4876800" y="7496175"/>
+            <a:ext cx="2362200" cy="1371601"/>
           </a:xfrm>
           <a:prstGeom prst="bentConnector3">
             <a:avLst>
@@ -6014,7 +6020,7 @@
         </p:nvCxnSpPr>
         <p:spPr>
           <a:xfrm>
-            <a:off x="4876800" y="7496176"/>
+            <a:off x="4876800" y="7496175"/>
             <a:ext cx="533400" cy="2286000"/>
           </a:xfrm>
           <a:prstGeom prst="bentConnector3">
@@ -6089,14 +6095,14 @@
           <a:p>
             <a:pPr algn="ctr"/>
             <a:r>
-              <a:rPr lang="en-US" sz="1500" dirty="0" err="1">
+              <a:rPr lang="en-US" sz="1400" dirty="0" err="1">
                 <a:solidFill>
                   <a:schemeClr val="tx1"/>
                 </a:solidFill>
               </a:rPr>
               <a:t>baremetal.toolchain</a:t>
             </a:r>
-            <a:endParaRPr lang="en-US" sz="1500" dirty="0">
+            <a:endParaRPr lang="en-US" sz="1400" dirty="0">
               <a:solidFill>
                 <a:schemeClr val="tx1"/>
               </a:solidFill>
@@ -6190,14 +6196,14 @@
           <a:p>
             <a:pPr algn="ctr"/>
             <a:r>
-              <a:rPr lang="en-US" sz="1500" dirty="0" err="1" smtClean="0">
+              <a:rPr lang="en-US" sz="1400" dirty="0" err="1" smtClean="0">
                 <a:solidFill>
                   <a:schemeClr val="tx1"/>
                 </a:solidFill>
               </a:rPr>
               <a:t>start.S</a:t>
             </a:r>
-            <a:endParaRPr lang="en-US" sz="1500" dirty="0">
+            <a:endParaRPr lang="en-US" sz="1400" dirty="0">
               <a:solidFill>
                 <a:schemeClr val="tx1"/>
               </a:solidFill>
@@ -6217,7 +6223,7 @@
         <p:spPr>
           <a:xfrm>
             <a:off x="4876800" y="7496175"/>
-            <a:ext cx="2362200" cy="914400"/>
+            <a:ext cx="2362200" cy="914401"/>
           </a:xfrm>
           <a:prstGeom prst="bentConnector3">
             <a:avLst>
@@ -6291,14 +6297,14 @@
           <a:p>
             <a:pPr algn="ctr"/>
             <a:r>
-              <a:rPr lang="en-US" sz="1500" dirty="0" err="1" smtClean="0">
+              <a:rPr lang="en-US" sz="1400" dirty="0" err="1" smtClean="0">
                 <a:solidFill>
                   <a:schemeClr val="tx1"/>
                 </a:solidFill>
               </a:rPr>
               <a:t>baremetal.ld</a:t>
             </a:r>
-            <a:endParaRPr lang="en-US" sz="1500" dirty="0">
+            <a:endParaRPr lang="en-US" sz="1400" dirty="0">
               <a:solidFill>
                 <a:schemeClr val="tx1"/>
               </a:solidFill>
